--- a/Templates/BNP Paribas.pptx
+++ b/Templates/BNP Paribas.pptx
@@ -230,7 +230,7 @@
           <a:p>
             <a:fld id="{515CCE07-1711-4DC7-A7D8-7ED312C82FB8}" type="datetimeFigureOut">
               <a:rPr lang="fr-FR" smtClean="0"/>
-              <a:t>13/07/2022</a:t>
+              <a:t>15/07/2022</a:t>
             </a:fld>
             <a:endParaRPr lang="fr-FR"/>
           </a:p>
@@ -395,7 +395,7 @@
           <a:p>
             <a:fld id="{014ABEAC-8B63-4BD1-9569-A14EB8752A94}" type="datetimeFigureOut">
               <a:rPr lang="fr-FR" smtClean="0"/>
-              <a:t>13/07/2022</a:t>
+              <a:t>15/07/2022</a:t>
             </a:fld>
             <a:endParaRPr lang="fr-FR"/>
           </a:p>
@@ -3248,7 +3248,51 @@
                 </a:solidFill>
                 <a:latin typeface="+mn-lt"/>
               </a:rPr>
-              <a:t>(2) En prenant comme hypothèse 1,00% de frais de gestion du contrat d’assurance vie ou de capitalisation. TRA nets hors autres frais, fiscalité et prélèvements sociaux applicables au cadre d’investissement, et hors défaut de paiement et/ou faillite de l’Émetteur et du Garant de la formule et hors mise en résolution du Garant de la formule. Les TRA sont calculés à partir du &lt;2PDC&gt; jusqu’à la date de remboursement anticipé automatique éventuel(1) ou d’échéance(1) selon les scénarios. Une sortie anticipée à l’initiative de l’investisseur se fera à un &lt;SJR3&gt; dépendant de l’évolution des paramètres de marché au moment de la sortie (&lt;SJR3&gt; &lt;SJR7&gt;, des taux d’intérêt, de la volatilité et des primes de risque de crédit notamment) et pourra donc entraîner un risque de perte en capital.</a:t>
+              <a:t>(2) En prenant comme hypothèse 1,00% de frais de gestion du contrat d’assurance vie ou de capitalisation. TRA nets hors autres frais, fiscalité et prélèvements sociaux applicables au cadre d’investissement, et hors défaut de paiement et/ou faillite de l’Émetteur et du Garant de la formule et hors mise en résolution du Garant de la formule. Les TRA sont calculés à partir du &lt;2PDC&gt; jusqu’à la date de remboursement anticipé automatique éventuel</a:t>
+            </a:r>
+            <a:r>
+              <a:rPr lang="fr-FR" sz="650" baseline="30000" dirty="0">
+                <a:solidFill>
+                  <a:schemeClr val="tx2"/>
+                </a:solidFill>
+                <a:latin typeface="+mn-lt"/>
+              </a:rPr>
+              <a:t>(1) </a:t>
+            </a:r>
+            <a:r>
+              <a:rPr lang="fr-FR" sz="650" dirty="0">
+                <a:solidFill>
+                  <a:schemeClr val="tx2"/>
+                </a:solidFill>
+                <a:latin typeface="+mn-lt"/>
+              </a:rPr>
+              <a:t>ou d’échéance</a:t>
+            </a:r>
+            <a:r>
+              <a:rPr lang="fr-FR" sz="650" baseline="30000" dirty="0">
+                <a:solidFill>
+                  <a:schemeClr val="tx2"/>
+                </a:solidFill>
+                <a:latin typeface="+mn-lt"/>
+              </a:rPr>
+              <a:t>(1)</a:t>
+            </a:r>
+            <a:r>
+              <a:rPr lang="fr-FR" sz="650" baseline="30000" dirty="0">
+                <a:solidFill>
+                  <a:schemeClr val="tx2"/>
+                </a:solidFill>
+              </a:rPr>
+              <a:t> </a:t>
+            </a:r>
+            <a:r>
+              <a:rPr lang="fr-FR" sz="650" dirty="0">
+                <a:solidFill>
+                  <a:schemeClr val="tx2"/>
+                </a:solidFill>
+                <a:latin typeface="+mn-lt"/>
+              </a:rPr>
+              <a:t>selon les scénarios. Une sortie anticipée à l’initiative de l’investisseur se fera à un &lt;SJR3&gt; dépendant de l’évolution des paramètres de marché au moment de la sortie (&lt;SJR3&gt; &lt;SJR7&gt;, des taux d’intérêt, de la volatilité et des primes de risque de crédit notamment) et pourra donc entraîner un risque de perte en capital.</a:t>
             </a:r>
           </a:p>
           <a:p>
@@ -4130,7 +4174,7 @@
             </a:pPr>
             <a:r>
               <a:rPr lang="fr-FR" sz="800" dirty="0"/>
-              <a:t>Ce qui correspond à un taux de rendement annuel net négatif de        </a:t>
+              <a:t>Ce qui correspond à un taux de rendement annuel net négatif de </a:t>
             </a:r>
             <a:r>
               <a:rPr lang="fr-FR" sz="800" dirty="0">
@@ -4968,7 +5012,16 @@
               <a:rPr lang="fr-FR" sz="1200" cap="none" dirty="0">
                 <a:latin typeface="Futura PT" panose="020B0902020204020203" pitchFamily="34" charset="0"/>
               </a:rPr>
-              <a:t>ZOOM SUR &lt;NOMSOUSJACENTP1&gt;   </a:t>
+              <a:t>ZOOM SUR </a:t>
+            </a:r>
+            <a:r>
+              <a:rPr lang="fr-FR" sz="1200" cap="none" dirty="0">
+                <a:solidFill>
+                  <a:srgbClr val="B9A049"/>
+                </a:solidFill>
+                <a:latin typeface="Futura PT" panose="020B0902020204020203" pitchFamily="34" charset="0"/>
+              </a:rPr>
+              <a:t>&lt;NOMSOUSJACENTP1&gt;   </a:t>
             </a:r>
           </a:p>
         </p:txBody>
@@ -5931,7 +5984,7 @@
         <p:spPr>
           <a:xfrm>
             <a:off x="359839" y="9771664"/>
-            <a:ext cx="6482920" cy="600164"/>
+            <a:ext cx="6482920" cy="500137"/>
           </a:xfrm>
           <a:prstGeom prst="rect">
             <a:avLst/>
@@ -6145,18 +6198,6 @@
                 <a:latin typeface="+mn-lt"/>
               </a:rPr>
               <a:t>n’assume pas de responsabilité à cet égard. Les éléments du présent document relatifs aux données de marchés sont fournis sur la base de données constatées à un moment précis et qui sont susceptibles de varier.</a:t>
-            </a:r>
-          </a:p>
-          <a:p>
-            <a:pPr lvl="1" algn="just"/>
-            <a:r>
-              <a:rPr lang="fr-FR" sz="650" dirty="0">
-                <a:solidFill>
-                  <a:schemeClr val="tx2"/>
-                </a:solidFill>
-                <a:latin typeface="+mn-lt"/>
-              </a:rPr>
-              <a:t>(1) Les performances de …</a:t>
             </a:r>
           </a:p>
         </p:txBody>
@@ -6484,58 +6525,6 @@
               <a:t>&lt;graph5&gt;</a:t>
             </a:r>
             <a:endParaRPr lang="en-US" dirty="0"/>
-          </a:p>
-        </p:txBody>
-      </p:sp>
-      <p:sp>
-        <p:nvSpPr>
-          <p:cNvPr id="13" name="ZoneTexte 12">
-            <a:extLst>
-              <a:ext uri="{FF2B5EF4-FFF2-40B4-BE49-F238E27FC236}">
-                <a16:creationId xmlns:a16="http://schemas.microsoft.com/office/drawing/2014/main" id="{76FF75D0-FF80-CA40-8CCA-E6EF96388D45}"/>
-              </a:ext>
-            </a:extLst>
-          </p:cNvPr>
-          <p:cNvSpPr txBox="1"/>
-          <p:nvPr/>
-        </p:nvSpPr>
-        <p:spPr>
-          <a:xfrm>
-            <a:off x="359839" y="3546565"/>
-            <a:ext cx="4056380" cy="369332"/>
-          </a:xfrm>
-          <a:prstGeom prst="rect">
-            <a:avLst/>
-          </a:prstGeom>
-          <a:noFill/>
-        </p:spPr>
-        <p:txBody>
-          <a:bodyPr wrap="square">
-            <a:spAutoFit/>
-          </a:bodyPr>
-          <a:lstStyle/>
-          <a:p>
-            <a:r>
-              <a:rPr lang="fr-FR" sz="1800" dirty="0">
-                <a:latin typeface="Futura PT" panose="020B0902020204020203" pitchFamily="34" charset="0"/>
-              </a:rPr>
-              <a:t>&lt;</a:t>
-            </a:r>
-            <a:r>
-              <a:rPr lang="fr-FR" sz="1800" dirty="0" err="1">
-                <a:latin typeface="Futura PT" panose="020B0902020204020203" pitchFamily="34" charset="0"/>
-              </a:rPr>
-              <a:t>legendeticker</a:t>
-            </a:r>
-            <a:r>
-              <a:rPr lang="fr-FR" sz="1800" dirty="0">
-                <a:latin typeface="Futura PT" panose="020B0902020204020203" pitchFamily="34" charset="0"/>
-              </a:rPr>
-              <a:t>&gt;</a:t>
-            </a:r>
-            <a:endParaRPr lang="fr-FR" sz="1800" cap="none" dirty="0">
-              <a:latin typeface="Futura PT" panose="020B0902020204020203" pitchFamily="34" charset="0"/>
-            </a:endParaRPr>
           </a:p>
         </p:txBody>
       </p:sp>
@@ -6637,12 +6626,8 @@
           <a:p>
             <a:pPr lvl="0" algn="just" defTabSz="914400"/>
             <a:r>
-              <a:rPr lang="fr-FR" sz="650" baseline="30000" dirty="0"/>
-              <a:t>(1)</a:t>
-            </a:r>
-            <a:r>
               <a:rPr lang="fr-FR" sz="650" dirty="0"/>
-              <a:t> BNP Paribas </a:t>
+              <a:t>(1) BNP Paribas </a:t>
             </a:r>
             <a:r>
               <a:rPr lang="fr-FR" sz="650" dirty="0" err="1"/>
@@ -6650,15 +6635,7 @@
             </a:r>
             <a:r>
               <a:rPr lang="fr-FR" sz="650" dirty="0"/>
-              <a:t> B.V. : Standard &amp; Poor’s A+. BNP Paribas : Standard &amp; Poor’s A+ / Moody’s Aa3 / Fitch AA-. Notations en vigueur au moment de la rédaction de la présente brochure, le </a:t>
-            </a:r>
-            <a:r>
-              <a:rPr lang="fr-FR" sz="650"/>
-              <a:t>&lt;DDR_MAJ&gt;, </a:t>
-            </a:r>
-            <a:r>
-              <a:rPr lang="fr-FR" sz="650" dirty="0"/>
-              <a:t>qui ne sauraient ni être une garantie de solvabilité de l’Émetteur et du Garant de la formule, ni constituer un argument de souscription au produit. Les agences de notation peuvent les modifier à tout moment. </a:t>
+              <a:t> B.V. : Standard &amp; Poor’s A+. BNP Paribas : Standard &amp; Poor’s A+ / Moody’s Aa3 / Fitch AA-. Notations en vigueur au moment de la rédaction de la présente brochure, le &lt;DDR_MAJ&gt;, qui ne sauraient ni être une garantie de solvabilité de l’Émetteur et du Garant de la formule, ni constituer un argument de souscription au produit. Les agences de notation peuvent les modifier à tout moment. </a:t>
             </a:r>
             <a:endParaRPr lang="fr-FR" sz="650" i="1" dirty="0">
               <a:latin typeface="Proxima Nova Rg" panose="02000506030000020004" pitchFamily="2" charset="0"/>
@@ -13493,12 +13470,8 @@
           <a:p>
             <a:pPr lvl="0" algn="just" defTabSz="914400"/>
             <a:r>
-              <a:rPr lang="fr-FR" sz="650" baseline="30000" dirty="0"/>
-              <a:t>(1)</a:t>
-            </a:r>
-            <a:r>
               <a:rPr lang="fr-FR" sz="650" dirty="0"/>
-              <a:t> BNP Paribas </a:t>
+              <a:t>(1) BNP Paribas </a:t>
             </a:r>
             <a:r>
               <a:rPr lang="fr-FR" sz="650" dirty="0" err="1"/>
@@ -13506,15 +13479,7 @@
             </a:r>
             <a:r>
               <a:rPr lang="fr-FR" sz="650" dirty="0"/>
-              <a:t> B.V. : Standard &amp; Poor’s A+. BNP Paribas : Standard &amp; Poor’s A+ / Moody’s Aa3 / Fitch AA-. Notations en vigueur au moment de la rédaction de la présente brochure, le </a:t>
-            </a:r>
-            <a:r>
-              <a:rPr lang="fr-FR" sz="650"/>
-              <a:t>&lt;DDR_MAJ&gt;, </a:t>
-            </a:r>
-            <a:r>
-              <a:rPr lang="fr-FR" sz="650" dirty="0"/>
-              <a:t>qui ne sauraient ni être une garantie de solvabilité de l’Émetteur et du Garant de la formule, ni constituer un argument de souscription au produit. Les agences de notation peuvent les modifier à tout moment. </a:t>
+              <a:t> B.V. : Standard &amp; Poor’s A+. BNP Paribas : Standard &amp; Poor’s A+ / Moody’s Aa3 / Fitch AA-. Notations en vigueur au moment de la rédaction de la présente brochure, le &lt;DDR_MAJ&gt;, qui ne sauraient ni être une garantie de solvabilité de l’Émetteur et du Garant de la formule, ni constituer un argument de souscription au produit. Les agences de notation peuvent les modifier à tout moment. </a:t>
             </a:r>
             <a:endParaRPr lang="fr-FR" sz="650" i="1" dirty="0">
               <a:latin typeface="Proxima Nova Rg" panose="02000506030000020004" pitchFamily="2" charset="0"/>
@@ -20571,7 +20536,7 @@
         </p:nvSpPr>
         <p:spPr>
           <a:xfrm>
-            <a:off x="653266" y="9863087"/>
+            <a:off x="287506" y="9710969"/>
             <a:ext cx="6359682" cy="553998"/>
           </a:xfrm>
           <a:prstGeom prst="rect">
@@ -20586,7 +20551,7 @@
           <a:p>
             <a:pPr algn="just"/>
             <a:r>
-              <a:rPr lang="fr-FR" sz="600">
+              <a:rPr lang="fr-FR" sz="600" dirty="0">
                 <a:solidFill>
                   <a:schemeClr val="tx2"/>
                 </a:solidFill>
@@ -20599,7 +20564,7 @@
           <a:p>
             <a:pPr algn="just"/>
             <a:r>
-              <a:rPr lang="fr-FR" sz="600">
+              <a:rPr lang="fr-FR" sz="600" dirty="0">
                 <a:solidFill>
                   <a:schemeClr val="tx2"/>
                 </a:solidFill>
@@ -20612,7 +20577,7 @@
           <a:p>
             <a:pPr algn="just"/>
             <a:r>
-              <a:rPr lang="fr-FR" sz="600">
+              <a:rPr lang="fr-FR" sz="600" dirty="0">
                 <a:solidFill>
                   <a:schemeClr val="tx2"/>
                 </a:solidFill>
@@ -20625,7 +20590,7 @@
           <a:p>
             <a:pPr algn="just"/>
             <a:r>
-              <a:rPr lang="fr-FR" sz="600">
+              <a:rPr lang="fr-FR" sz="600" dirty="0">
                 <a:solidFill>
                   <a:schemeClr val="tx2"/>
                 </a:solidFill>
@@ -20635,7 +20600,7 @@
               <a:t>Entreprise d’investissement agréée en 2013 par l’Autorité de Contrôle Prudentiel et de Résolution sous le numéro 11283 et contrôlée par cette même autorité et l’Autorité des Marchés Financiers</a:t>
             </a:r>
             <a:r>
-              <a:rPr lang="fr-FR" sz="600" i="1">
+              <a:rPr lang="fr-FR" sz="600" i="1" dirty="0">
                 <a:solidFill>
                   <a:schemeClr val="tx2"/>
                 </a:solidFill>
@@ -21258,7 +21223,25 @@
                 </a:solidFill>
                 <a:latin typeface="Proxima Nova Rg" panose="02000506030000020004" pitchFamily="2" charset="0"/>
               </a:rPr>
-              <a:t>(2) En prenant comme hypothèse 1,00% de frais de gestion du contrat d’assurance vie ou de capitalisation. TRA nets hors autres frais, fiscalité et prélèvements sociaux applicables au cadre d’investissement, et hors défaut de paiement et/ou faillite de l’Émetteur et du Garant de la formule et hors mise en résolution du Garant de la formule. Les TRA sont calculés à partir du &lt;2PDC_MAJ&gt; jusqu’à la date de remboursement anticipé automatique éventuel</a:t>
+              <a:t>(2) En prenant comme hypothèse 1,00% de frais de gestion du contrat d’assurance vie ou de capitalisation. TRA nets hors autres frais, fiscalité et prélèvements sociaux applicables au cadre d’investissement, et hors défaut de paiement et/ou faillite de l’Émetteur et du Garant de la formule et hors mise en résolution du Garant de la formule. Les TRA sont calculés à partir du </a:t>
+            </a:r>
+            <a:r>
+              <a:rPr lang="fr-FR" sz="650">
+                <a:solidFill>
+                  <a:srgbClr val="000000"/>
+                </a:solidFill>
+                <a:latin typeface="Proxima Nova Rg" panose="02000506030000020004" pitchFamily="2" charset="0"/>
+              </a:rPr>
+              <a:t>&lt;2PDC&gt; </a:t>
+            </a:r>
+            <a:r>
+              <a:rPr lang="fr-FR" sz="650" dirty="0">
+                <a:solidFill>
+                  <a:srgbClr val="000000"/>
+                </a:solidFill>
+                <a:latin typeface="Proxima Nova Rg" panose="02000506030000020004" pitchFamily="2" charset="0"/>
+              </a:rPr>
+              <a:t>jusqu’à la date de remboursement anticipé automatique éventuel</a:t>
             </a:r>
             <a:r>
               <a:rPr lang="fr-FR" sz="650" baseline="30000" dirty="0">
@@ -24859,27 +24842,7 @@
                 <a:ea typeface="+mn-ea"/>
                 <a:cs typeface="+mn-cs"/>
               </a:rPr>
-              <a:t>n’enregistre pas de baisse de plus de &lt;PDIPERF&gt; par rapport à son &lt;NDR&gt;, l’investisseur accepte de limiter ses gains en cas de forte hausse des marchés (taux de rendement annuel net maximum de </a:t>
-            </a:r>
-            <a:r>
-              <a:rPr kumimoji="0" lang="fr-FR" sz="800" b="0" i="0" u="none" strike="noStrike" kern="1200" cap="none" spc="0" normalizeH="0" baseline="0" noProof="0" dirty="0">
-                <a:ln>
-                  <a:noFill/>
-                </a:ln>
-                <a:solidFill>
-                  <a:schemeClr val="tx1"/>
-                </a:solidFill>
-                <a:effectLst/>
-                <a:highlight>
-                  <a:srgbClr val="00FFFF"/>
-                </a:highlight>
-                <a:uLnTx/>
-                <a:uFillTx/>
-                <a:latin typeface="Proxima Nova Rg"/>
-                <a:ea typeface="+mn-ea"/>
-                <a:cs typeface="+mn-cs"/>
-              </a:rPr>
-              <a:t>&lt;TRA.MAX.P&gt;</a:t>
+              <a:t>n’enregistre pas de baisse de plus de &lt;PDIPERF&gt; par rapport à son &lt;NDR&gt;, l’investisseur accepte de limiter ses gains en cas de forte hausse des marchés (taux de rendement annuel net maximum de &lt;TRA.MAX.P&gt;</a:t>
             </a:r>
             <a:r>
               <a:rPr kumimoji="0" lang="fr-FR" sz="800" b="0" i="0" u="none" strike="noStrike" kern="1200" cap="none" spc="0" normalizeH="0" baseline="30000" noProof="0" dirty="0">
@@ -24890,33 +24853,13 @@
                   <a:schemeClr val="tx1"/>
                 </a:solidFill>
                 <a:effectLst/>
-                <a:highlight>
-                  <a:srgbClr val="00FFFF"/>
-                </a:highlight>
                 <a:uLnTx/>
                 <a:uFillTx/>
                 <a:latin typeface="Proxima Nova Rg"/>
                 <a:ea typeface="+mn-ea"/>
                 <a:cs typeface="+mn-cs"/>
               </a:rPr>
-              <a:t>(</a:t>
-            </a:r>
-            <a:r>
-              <a:rPr kumimoji="0" lang="fr-FR" sz="800" b="0" i="0" u="none" strike="noStrike" kern="1200" cap="none" spc="0" normalizeH="0" baseline="30000" noProof="0" dirty="0">
-                <a:ln>
-                  <a:noFill/>
-                </a:ln>
-                <a:solidFill>
-                  <a:schemeClr val="tx1"/>
-                </a:solidFill>
-                <a:effectLst/>
-                <a:uLnTx/>
-                <a:uFillTx/>
-                <a:latin typeface="Proxima Nova Rg"/>
-                <a:ea typeface="+mn-ea"/>
-                <a:cs typeface="+mn-cs"/>
-              </a:rPr>
-              <a:t>2)</a:t>
+              <a:t>(2)</a:t>
             </a:r>
             <a:r>
               <a:rPr kumimoji="0" lang="fr-FR" sz="800" b="0" i="0" u="none" strike="noStrike" kern="1200" cap="none" spc="0" normalizeH="0" baseline="0" noProof="0" dirty="0">
@@ -25056,7 +24999,7 @@
                 <a:ea typeface="+mn-ea"/>
                 <a:cs typeface="+mn-cs"/>
               </a:rPr>
-              <a:t> « &lt;NOM&gt; » ne peut constituer l’intégralité d’un portefeuille d’investissement. L’investisseur est exposé pour une durée de &lt;1PR&gt; à &lt;DPRR&gt; &lt;F0&gt;&lt;F0s&gt; à &lt;</a:t>
+              <a:t> « &lt;NOM&gt; » ne peut constituer l’intégralité d’un portefeuille d’investissement. L’investisseur est exposé pour une durée de &lt;1PR&gt; à &lt;DPRR&gt; &lt;F0&gt;&lt;F0s&gt; </a:t>
             </a:r>
             <a:r>
               <a:rPr lang="fr-FR" b="1" i="1" dirty="0">
@@ -25065,7 +25008,7 @@
                 </a:solidFill>
                 <a:latin typeface="Proxima Nova Rg"/>
               </a:rPr>
-              <a:t>SJR1&gt;, &lt;DIVERSACTION&gt;. Vous </a:t>
+              <a:t>&lt;SJR1&gt; &lt;DIVERSACTION&gt;. Vous </a:t>
             </a:r>
             <a:r>
               <a:rPr kumimoji="0" lang="fr-FR" b="1" i="1" u="none" strike="noStrike" kern="1200" cap="none" spc="0" normalizeH="0" baseline="0" noProof="0" dirty="0">
@@ -26544,7 +26487,23 @@
                   <a:schemeClr val="tx2"/>
                 </a:solidFill>
               </a:rPr>
-              <a:t>clôture à un &lt;SJR3&gt; supérieur ou égal à &lt;DBAC&gt;% de son &lt;NDR&gt;, l’investisseur reçoit, le &lt;DEC_MAJ&gt;</a:t>
+              <a:t>clôture à un &lt;SJR3&gt; supérieur ou égal à &lt;</a:t>
+            </a:r>
+            <a:r>
+              <a:rPr lang="fr-FR" sz="800" b="1">
+                <a:solidFill>
+                  <a:schemeClr val="tx2"/>
+                </a:solidFill>
+              </a:rPr>
+              <a:t>DBAC&gt; </a:t>
+            </a:r>
+            <a:r>
+              <a:rPr lang="fr-FR" sz="800" b="1" dirty="0">
+                <a:solidFill>
+                  <a:schemeClr val="tx2"/>
+                </a:solidFill>
+              </a:rPr>
+              <a:t>de son &lt;NDR&gt;, l’investisseur reçoit, le &lt;DEC_MAJ&gt;</a:t>
             </a:r>
             <a:r>
               <a:rPr lang="fr-FR" sz="800" b="1" baseline="30000" dirty="0">
@@ -26853,7 +26812,7 @@
             </a:pPr>
             <a:r>
               <a:rPr lang="fr-FR" sz="800" dirty="0"/>
-              <a:t>par &lt;SJR1&gt; entre le &lt;DDCI&gt; et le &lt;DCF&gt;</a:t>
+              <a:t>par &lt;SJR1&gt; entre son &lt;NDR&gt; et son &lt;SJR3&gt; final le &lt;DCF&gt;</a:t>
             </a:r>
           </a:p>
           <a:p>
@@ -31000,7 +30959,7 @@
             </a:pPr>
             <a:r>
               <a:rPr lang="fr-FR" sz="800" dirty="0"/>
-              <a:t>par &lt;SJR1&gt; entre le &lt;DDCI&gt; et le &lt;DCF&gt;</a:t>
+              <a:t>par &lt;SJR1&gt; entre son &lt;NDR&gt; et son &lt;SJR3&gt; final le &lt;DCF&gt;</a:t>
             </a:r>
           </a:p>
           <a:p>
@@ -31016,6 +30975,10 @@
             <a:r>
               <a:rPr lang="fr-FR" sz="800" dirty="0"/>
               <a:t>(Soit un taux de rendement annuel net inférieur ou égal à &lt;TRA.MED.P&gt;</a:t>
+            </a:r>
+            <a:r>
+              <a:rPr lang="fr-FR" sz="800" baseline="30000" dirty="0"/>
+              <a:t>(2)</a:t>
             </a:r>
           </a:p>
           <a:p>
@@ -31547,7 +31510,7 @@
             </a:r>
             <a:r>
               <a:rPr lang="fr-FR" sz="800" baseline="30000" dirty="0"/>
-              <a:t>2) </a:t>
+              <a:t>(2) </a:t>
             </a:r>
             <a:r>
               <a:rPr lang="fr-FR" sz="800" dirty="0"/>
@@ -34498,7 +34461,7 @@
                   <a:srgbClr val="000000"/>
                 </a:solidFill>
               </a:rPr>
-              <a:t>( </a:t>
+              <a:t>(</a:t>
             </a:r>
             <a:r>
               <a:rPr lang="fr-FR" sz="800" baseline="30000" dirty="0">
@@ -35003,43 +34966,25 @@
           <a:p>
             <a:pPr marL="0" lvl="1" algn="just"/>
             <a:r>
-              <a:rPr lang="fr-FR" sz="650" baseline="30000" dirty="0">
+              <a:rPr lang="fr-FR" sz="650" dirty="0">
                 <a:solidFill>
                   <a:schemeClr val="tx2"/>
                 </a:solidFill>
                 <a:latin typeface="+mn-lt"/>
               </a:rPr>
-              <a:t>(1) </a:t>
-            </a:r>
-            <a:r>
-              <a:rPr lang="fr-FR" sz="650" dirty="0">
-                <a:solidFill>
-                  <a:schemeClr val="tx2"/>
-                </a:solidFill>
-                <a:latin typeface="+mn-lt"/>
-              </a:rPr>
-              <a:t>Veuillez vous référer au tableau récapitulant les principales caractéristiques financières en &lt;PAGE&gt; pour le détail des dates. </a:t>
+              <a:t>(1) Veuillez vous référer au tableau récapitulant les principales caractéristiques financières en &lt;PAGE&gt; pour le détail des dates. </a:t>
             </a:r>
           </a:p>
           <a:p>
             <a:pPr marL="0" lvl="1" algn="just"/>
             <a:r>
-              <a:rPr lang="fr-FR" sz="650" baseline="30000" dirty="0">
+              <a:rPr lang="fr-FR" sz="650" dirty="0">
                 <a:solidFill>
                   <a:schemeClr val="tx2"/>
                 </a:solidFill>
                 <a:latin typeface="+mn-lt"/>
               </a:rPr>
-              <a:t>(2) </a:t>
-            </a:r>
-            <a:r>
-              <a:rPr lang="fr-FR" sz="650" dirty="0">
-                <a:solidFill>
-                  <a:schemeClr val="tx2"/>
-                </a:solidFill>
-                <a:latin typeface="+mn-lt"/>
-              </a:rPr>
-              <a:t>En prenant comme hypothèse 1,00% de frais de gestion du contrat d’assurance vie ou de capitalisation. TRA nets hors autres frais, fiscalité et prélèvements sociaux applicables au cadre d’investissement, et hors défaut de paiement et/ou faillite de l’Émetteur et du Garant de la formule et hors mise en résolution du Garant de la formule. Les TRA sont calculés à partir du &lt;2PDC&gt; jusqu’à la date de remboursement anticipé automatique éventuel</a:t>
+              <a:t>(2) En prenant comme hypothèse 1,00% de frais de gestion du contrat d’assurance vie ou de capitalisation. TRA nets hors autres frais, fiscalité et prélèvements sociaux applicables au cadre d’investissement, et hors défaut de paiement et/ou faillite de l’Émetteur et du Garant de la formule et hors mise en résolution du Garant de la formule. Les TRA sont calculés à partir du &lt;2PDC&gt; jusqu’à la date de remboursement anticipé automatique éventuel</a:t>
             </a:r>
             <a:r>
               <a:rPr lang="fr-FR" sz="650" baseline="30000" dirty="0">
@@ -35081,22 +35026,13 @@
           <a:p>
             <a:pPr marL="0" lvl="1" algn="just"/>
             <a:r>
-              <a:rPr lang="fr-FR" sz="650" baseline="30000" dirty="0">
+              <a:rPr lang="fr-FR" sz="650" dirty="0">
                 <a:solidFill>
                   <a:schemeClr val="tx2"/>
                 </a:solidFill>
                 <a:latin typeface="+mn-lt"/>
               </a:rPr>
-              <a:t>(3) </a:t>
-            </a:r>
-            <a:r>
-              <a:rPr lang="fr-FR" sz="650" dirty="0">
-                <a:solidFill>
-                  <a:schemeClr val="tx2"/>
-                </a:solidFill>
-                <a:latin typeface="+mn-lt"/>
-              </a:rPr>
-              <a:t>&lt;DIVIDENDE&gt;</a:t>
+              <a:t>(3) &lt;DIVIDENDE&gt;</a:t>
             </a:r>
           </a:p>
         </p:txBody>
@@ -37239,27 +37175,6 @@
 </file>
 
 <file path=customXml/item1.xml><?xml version="1.0" encoding="utf-8"?>
-<?mso-contentType ?>
-<FormTemplates xmlns="http://schemas.microsoft.com/sharepoint/v3/contenttype/forms">
-  <Display>DocumentLibraryForm</Display>
-  <Edit>DocumentLibraryForm</Edit>
-  <New>DocumentLibraryForm</New>
-</FormTemplates>
-</file>
-
-<file path=customXml/item2.xml><?xml version="1.0" encoding="utf-8"?>
-<p:properties xmlns:p="http://schemas.microsoft.com/office/2006/metadata/properties" xmlns:xsi="http://www.w3.org/2001/XMLSchema-instance" xmlns:pc="http://schemas.microsoft.com/office/infopath/2007/PartnerControls">
-  <documentManagement>
-    <_Flow_SignoffStatus xmlns="ef624bc2-1644-4d69-8362-5c28ca496374" xsi:nil="true"/>
-    <TaxCatchAll xmlns="514a554b-82b0-4359-b247-fc84018a95f0" xsi:nil="true"/>
-    <lcf76f155ced4ddcb4097134ff3c332f xmlns="ef624bc2-1644-4d69-8362-5c28ca496374">
-      <Terms xmlns="http://schemas.microsoft.com/office/infopath/2007/PartnerControls"/>
-    </lcf76f155ced4ddcb4097134ff3c332f>
-  </documentManagement>
-</p:properties>
-</file>
-
-<file path=customXml/item3.xml><?xml version="1.0" encoding="utf-8"?>
 <ct:contentTypeSchema xmlns:ct="http://schemas.microsoft.com/office/2006/metadata/contentType" xmlns:ma="http://schemas.microsoft.com/office/2006/metadata/properties/metaAttributes" ct:_="" ma:_="" ma:contentTypeName="Document" ma:contentTypeID="0x0101005DDE610BC516E448BB8152259F39635A" ma:contentTypeVersion="17" ma:contentTypeDescription="Crée un document." ma:contentTypeScope="" ma:versionID="bfb75e103009df80b8e5001438c41194">
   <xsd:schema xmlns:xsd="http://www.w3.org/2001/XMLSchema" xmlns:xs="http://www.w3.org/2001/XMLSchema" xmlns:p="http://schemas.microsoft.com/office/2006/metadata/properties" xmlns:ns2="ef624bc2-1644-4d69-8362-5c28ca496374" xmlns:ns3="514a554b-82b0-4359-b247-fc84018a95f0" targetNamespace="http://schemas.microsoft.com/office/2006/metadata/properties" ma:root="true" ma:fieldsID="2ae3df86d13efbb4a35042af2564d386" ns2:_="" ns3:_="">
     <xsd:import namespace="ef624bc2-1644-4d69-8362-5c28ca496374"/>
@@ -37508,10 +37423,42 @@
 </ct:contentTypeSchema>
 </file>
 
+<file path=customXml/item2.xml><?xml version="1.0" encoding="utf-8"?>
+<p:properties xmlns:p="http://schemas.microsoft.com/office/2006/metadata/properties" xmlns:xsi="http://www.w3.org/2001/XMLSchema-instance" xmlns:pc="http://schemas.microsoft.com/office/infopath/2007/PartnerControls">
+  <documentManagement>
+    <_Flow_SignoffStatus xmlns="ef624bc2-1644-4d69-8362-5c28ca496374" xsi:nil="true"/>
+    <TaxCatchAll xmlns="514a554b-82b0-4359-b247-fc84018a95f0" xsi:nil="true"/>
+    <lcf76f155ced4ddcb4097134ff3c332f xmlns="ef624bc2-1644-4d69-8362-5c28ca496374">
+      <Terms xmlns="http://schemas.microsoft.com/office/infopath/2007/PartnerControls"/>
+    </lcf76f155ced4ddcb4097134ff3c332f>
+  </documentManagement>
+</p:properties>
+</file>
+
+<file path=customXml/item3.xml><?xml version="1.0" encoding="utf-8"?>
+<?mso-contentType ?>
+<FormTemplates xmlns="http://schemas.microsoft.com/sharepoint/v3/contenttype/forms">
+  <Display>DocumentLibraryForm</Display>
+  <Edit>DocumentLibraryForm</Edit>
+  <New>DocumentLibraryForm</New>
+</FormTemplates>
+</file>
+
 <file path=customXml/itemProps1.xml><?xml version="1.0" encoding="utf-8"?>
-<ds:datastoreItem xmlns:ds="http://schemas.openxmlformats.org/officeDocument/2006/customXml" ds:itemID="{B00FC41E-FBDE-42E2-B58A-20EBD240A376}">
+<ds:datastoreItem xmlns:ds="http://schemas.openxmlformats.org/officeDocument/2006/customXml" ds:itemID="{049ECCCF-890C-4C54-BAB4-06AB610C1865}">
   <ds:schemaRefs>
-    <ds:schemaRef ds:uri="http://schemas.microsoft.com/sharepoint/v3/contenttype/forms"/>
+    <ds:schemaRef ds:uri="http://schemas.microsoft.com/office/2006/metadata/contentType"/>
+    <ds:schemaRef ds:uri="http://schemas.microsoft.com/office/2006/metadata/properties/metaAttributes"/>
+    <ds:schemaRef ds:uri="http://www.w3.org/2001/XMLSchema"/>
+    <ds:schemaRef ds:uri="http://schemas.microsoft.com/office/2006/metadata/properties"/>
+    <ds:schemaRef ds:uri="ef624bc2-1644-4d69-8362-5c28ca496374"/>
+    <ds:schemaRef ds:uri="514a554b-82b0-4359-b247-fc84018a95f0"/>
+    <ds:schemaRef ds:uri="http://schemas.microsoft.com/office/2006/documentManagement/types"/>
+    <ds:schemaRef ds:uri="http://schemas.microsoft.com/office/infopath/2007/PartnerControls"/>
+    <ds:schemaRef ds:uri="http://schemas.openxmlformats.org/package/2006/metadata/core-properties"/>
+    <ds:schemaRef ds:uri="http://purl.org/dc/elements/1.1/"/>
+    <ds:schemaRef ds:uri="http://purl.org/dc/terms/"/>
+    <ds:schemaRef ds:uri="http://schemas.microsoft.com/internal/obd"/>
   </ds:schemaRefs>
 </ds:datastoreItem>
 </file>
@@ -37534,20 +37481,9 @@
 </file>
 
 <file path=customXml/itemProps3.xml><?xml version="1.0" encoding="utf-8"?>
-<ds:datastoreItem xmlns:ds="http://schemas.openxmlformats.org/officeDocument/2006/customXml" ds:itemID="{049ECCCF-890C-4C54-BAB4-06AB610C1865}">
+<ds:datastoreItem xmlns:ds="http://schemas.openxmlformats.org/officeDocument/2006/customXml" ds:itemID="{B00FC41E-FBDE-42E2-B58A-20EBD240A376}">
   <ds:schemaRefs>
-    <ds:schemaRef ds:uri="http://schemas.microsoft.com/office/2006/metadata/contentType"/>
-    <ds:schemaRef ds:uri="http://schemas.microsoft.com/office/2006/metadata/properties/metaAttributes"/>
-    <ds:schemaRef ds:uri="http://www.w3.org/2001/XMLSchema"/>
-    <ds:schemaRef ds:uri="http://schemas.microsoft.com/office/2006/metadata/properties"/>
-    <ds:schemaRef ds:uri="ef624bc2-1644-4d69-8362-5c28ca496374"/>
-    <ds:schemaRef ds:uri="514a554b-82b0-4359-b247-fc84018a95f0"/>
-    <ds:schemaRef ds:uri="http://schemas.microsoft.com/office/2006/documentManagement/types"/>
-    <ds:schemaRef ds:uri="http://schemas.microsoft.com/office/infopath/2007/PartnerControls"/>
-    <ds:schemaRef ds:uri="http://schemas.openxmlformats.org/package/2006/metadata/core-properties"/>
-    <ds:schemaRef ds:uri="http://purl.org/dc/elements/1.1/"/>
-    <ds:schemaRef ds:uri="http://purl.org/dc/terms/"/>
-    <ds:schemaRef ds:uri="http://schemas.microsoft.com/internal/obd"/>
+    <ds:schemaRef ds:uri="http://schemas.microsoft.com/sharepoint/v3/contenttype/forms"/>
   </ds:schemaRefs>
 </ds:datastoreItem>
 </file>
--- a/Templates/BNP Paribas.pptx
+++ b/Templates/BNP Paribas.pptx
@@ -230,7 +230,7 @@
           <a:p>
             <a:fld id="{515CCE07-1711-4DC7-A7D8-7ED312C82FB8}" type="datetimeFigureOut">
               <a:rPr lang="fr-FR" smtClean="0"/>
-              <a:t>15/07/2022</a:t>
+              <a:t>19/07/2022</a:t>
             </a:fld>
             <a:endParaRPr lang="fr-FR"/>
           </a:p>
@@ -395,7 +395,7 @@
           <a:p>
             <a:fld id="{014ABEAC-8B63-4BD1-9569-A14EB8752A94}" type="datetimeFigureOut">
               <a:rPr lang="fr-FR" smtClean="0"/>
-              <a:t>15/07/2022</a:t>
+              <a:t>19/07/2022</a:t>
             </a:fld>
             <a:endParaRPr lang="fr-FR"/>
           </a:p>
@@ -6658,7 +6658,7 @@
           <p:nvPr>
             <p:extLst>
               <p:ext uri="{D42A27DB-BD31-4B8C-83A1-F6EECF244321}">
-                <p14:modId xmlns:p14="http://schemas.microsoft.com/office/powerpoint/2010/main" val="2205667481"/>
+                <p14:modId xmlns:p14="http://schemas.microsoft.com/office/powerpoint/2010/main" val="1497192070"/>
               </p:ext>
             </p:extLst>
           </p:nvPr>
@@ -10437,18 +10437,7 @@
                           <a:ea typeface="+mn-ea"/>
                           <a:cs typeface="+mn-cs"/>
                         </a:rPr>
-                        <a:t>&lt;</a:t>
-                      </a:r>
-                      <a:r>
-                        <a:rPr lang="fr-FR" sz="700" b="0" i="0" kern="1200" baseline="0" dirty="0" err="1">
-                          <a:solidFill>
-                            <a:schemeClr val="tx1"/>
-                          </a:solidFill>
-                          <a:latin typeface="+mn-lt"/>
-                          <a:ea typeface="+mn-ea"/>
-                          <a:cs typeface="+mn-cs"/>
-                        </a:rPr>
-                        <a:t>dates_paiement_autocall</a:t>
+                        <a:t>&lt;Datesremb3</a:t>
                       </a:r>
                       <a:r>
                         <a:rPr lang="fr-FR" sz="700" b="0" i="0" kern="1200" baseline="0" dirty="0">
@@ -13755,7 +13744,7 @@
           <p:nvPr>
             <p:extLst>
               <p:ext uri="{D42A27DB-BD31-4B8C-83A1-F6EECF244321}">
-                <p14:modId xmlns:p14="http://schemas.microsoft.com/office/powerpoint/2010/main" val="3493651277"/>
+                <p14:modId xmlns:p14="http://schemas.microsoft.com/office/powerpoint/2010/main" val="2221786558"/>
               </p:ext>
             </p:extLst>
           </p:nvPr>
@@ -17585,29 +17574,7 @@
                           <a:ea typeface="+mn-ea"/>
                           <a:cs typeface="+mn-cs"/>
                         </a:rPr>
-                        <a:t>&lt;</a:t>
-                      </a:r>
-                      <a:r>
-                        <a:rPr lang="fr-FR" sz="700" b="0" i="0" kern="1200" dirty="0" err="1">
-                          <a:solidFill>
-                            <a:schemeClr val="tx1"/>
-                          </a:solidFill>
-                          <a:latin typeface="+mn-lt"/>
-                          <a:ea typeface="+mn-ea"/>
-                          <a:cs typeface="+mn-cs"/>
-                        </a:rPr>
-                        <a:t>dates_paiement_phoenix</a:t>
-                      </a:r>
-                      <a:r>
-                        <a:rPr lang="fr-FR" sz="700" b="0" i="0" kern="1200" dirty="0">
-                          <a:solidFill>
-                            <a:schemeClr val="tx1"/>
-                          </a:solidFill>
-                          <a:latin typeface="+mn-lt"/>
-                          <a:ea typeface="+mn-ea"/>
-                          <a:cs typeface="+mn-cs"/>
-                        </a:rPr>
-                        <a:t>&gt;</a:t>
+                        <a:t>&lt;Datespaiement1&gt;</a:t>
                       </a:r>
                     </a:p>
                   </a:txBody>
@@ -17792,29 +17759,7 @@
                           <a:ea typeface="+mn-ea"/>
                           <a:cs typeface="+mn-cs"/>
                         </a:rPr>
-                        <a:t>&lt;</a:t>
-                      </a:r>
-                      <a:r>
-                        <a:rPr lang="fr-FR" sz="700" b="0" i="0" kern="1200" dirty="0" err="1">
-                          <a:solidFill>
-                            <a:schemeClr val="tx1"/>
-                          </a:solidFill>
-                          <a:latin typeface="+mn-lt"/>
-                          <a:ea typeface="+mn-ea"/>
-                          <a:cs typeface="+mn-cs"/>
-                        </a:rPr>
-                        <a:t>dates_last_remboursement_rappel</a:t>
-                      </a:r>
-                      <a:r>
-                        <a:rPr lang="fr-FR" sz="700" b="0" i="0" kern="1200" dirty="0">
-                          <a:solidFill>
-                            <a:schemeClr val="tx1"/>
-                          </a:solidFill>
-                          <a:latin typeface="+mn-lt"/>
-                          <a:ea typeface="+mn-ea"/>
-                          <a:cs typeface="+mn-cs"/>
-                        </a:rPr>
-                        <a:t>&gt;</a:t>
+                        <a:t>&lt;Datesremb3&gt;</a:t>
                       </a:r>
                     </a:p>
                   </a:txBody>
@@ -37175,6 +37120,18 @@
 </file>
 
 <file path=customXml/item1.xml><?xml version="1.0" encoding="utf-8"?>
+<p:properties xmlns:p="http://schemas.microsoft.com/office/2006/metadata/properties" xmlns:xsi="http://www.w3.org/2001/XMLSchema-instance" xmlns:pc="http://schemas.microsoft.com/office/infopath/2007/PartnerControls">
+  <documentManagement>
+    <_Flow_SignoffStatus xmlns="ef624bc2-1644-4d69-8362-5c28ca496374" xsi:nil="true"/>
+    <TaxCatchAll xmlns="514a554b-82b0-4359-b247-fc84018a95f0" xsi:nil="true"/>
+    <lcf76f155ced4ddcb4097134ff3c332f xmlns="ef624bc2-1644-4d69-8362-5c28ca496374">
+      <Terms xmlns="http://schemas.microsoft.com/office/infopath/2007/PartnerControls"/>
+    </lcf76f155ced4ddcb4097134ff3c332f>
+  </documentManagement>
+</p:properties>
+</file>
+
+<file path=customXml/item2.xml><?xml version="1.0" encoding="utf-8"?>
 <ct:contentTypeSchema xmlns:ct="http://schemas.microsoft.com/office/2006/metadata/contentType" xmlns:ma="http://schemas.microsoft.com/office/2006/metadata/properties/metaAttributes" ct:_="" ma:_="" ma:contentTypeName="Document" ma:contentTypeID="0x0101005DDE610BC516E448BB8152259F39635A" ma:contentTypeVersion="17" ma:contentTypeDescription="Crée un document." ma:contentTypeScope="" ma:versionID="bfb75e103009df80b8e5001438c41194">
   <xsd:schema xmlns:xsd="http://www.w3.org/2001/XMLSchema" xmlns:xs="http://www.w3.org/2001/XMLSchema" xmlns:p="http://schemas.microsoft.com/office/2006/metadata/properties" xmlns:ns2="ef624bc2-1644-4d69-8362-5c28ca496374" xmlns:ns3="514a554b-82b0-4359-b247-fc84018a95f0" targetNamespace="http://schemas.microsoft.com/office/2006/metadata/properties" ma:root="true" ma:fieldsID="2ae3df86d13efbb4a35042af2564d386" ns2:_="" ns3:_="">
     <xsd:import namespace="ef624bc2-1644-4d69-8362-5c28ca496374"/>
@@ -37423,18 +37380,6 @@
 </ct:contentTypeSchema>
 </file>
 
-<file path=customXml/item2.xml><?xml version="1.0" encoding="utf-8"?>
-<p:properties xmlns:p="http://schemas.microsoft.com/office/2006/metadata/properties" xmlns:xsi="http://www.w3.org/2001/XMLSchema-instance" xmlns:pc="http://schemas.microsoft.com/office/infopath/2007/PartnerControls">
-  <documentManagement>
-    <_Flow_SignoffStatus xmlns="ef624bc2-1644-4d69-8362-5c28ca496374" xsi:nil="true"/>
-    <TaxCatchAll xmlns="514a554b-82b0-4359-b247-fc84018a95f0" xsi:nil="true"/>
-    <lcf76f155ced4ddcb4097134ff3c332f xmlns="ef624bc2-1644-4d69-8362-5c28ca496374">
-      <Terms xmlns="http://schemas.microsoft.com/office/infopath/2007/PartnerControls"/>
-    </lcf76f155ced4ddcb4097134ff3c332f>
-  </documentManagement>
-</p:properties>
-</file>
-
 <file path=customXml/item3.xml><?xml version="1.0" encoding="utf-8"?>
 <?mso-contentType ?>
 <FormTemplates xmlns="http://schemas.microsoft.com/sharepoint/v3/contenttype/forms">
@@ -37445,6 +37390,23 @@
 </file>
 
 <file path=customXml/itemProps1.xml><?xml version="1.0" encoding="utf-8"?>
+<ds:datastoreItem xmlns:ds="http://schemas.openxmlformats.org/officeDocument/2006/customXml" ds:itemID="{25DE574B-2CD2-4078-9BEA-2A14717D9698}">
+  <ds:schemaRefs>
+    <ds:schemaRef ds:uri="http://purl.org/dc/terms/"/>
+    <ds:schemaRef ds:uri="514a554b-82b0-4359-b247-fc84018a95f0"/>
+    <ds:schemaRef ds:uri="http://schemas.openxmlformats.org/package/2006/metadata/core-properties"/>
+    <ds:schemaRef ds:uri="http://purl.org/dc/elements/1.1/"/>
+    <ds:schemaRef ds:uri="http://schemas.microsoft.com/office/infopath/2007/PartnerControls"/>
+    <ds:schemaRef ds:uri="http://schemas.microsoft.com/office/2006/documentManagement/types"/>
+    <ds:schemaRef ds:uri="ef624bc2-1644-4d69-8362-5c28ca496374"/>
+    <ds:schemaRef ds:uri="http://schemas.microsoft.com/office/2006/metadata/properties"/>
+    <ds:schemaRef ds:uri="http://www.w3.org/XML/1998/namespace"/>
+    <ds:schemaRef ds:uri="http://purl.org/dc/dcmitype/"/>
+  </ds:schemaRefs>
+</ds:datastoreItem>
+</file>
+
+<file path=customXml/itemProps2.xml><?xml version="1.0" encoding="utf-8"?>
 <ds:datastoreItem xmlns:ds="http://schemas.openxmlformats.org/officeDocument/2006/customXml" ds:itemID="{049ECCCF-890C-4C54-BAB4-06AB610C1865}">
   <ds:schemaRefs>
     <ds:schemaRef ds:uri="http://schemas.microsoft.com/office/2006/metadata/contentType"/>
@@ -37463,23 +37425,6 @@
 </ds:datastoreItem>
 </file>
 
-<file path=customXml/itemProps2.xml><?xml version="1.0" encoding="utf-8"?>
-<ds:datastoreItem xmlns:ds="http://schemas.openxmlformats.org/officeDocument/2006/customXml" ds:itemID="{25DE574B-2CD2-4078-9BEA-2A14717D9698}">
-  <ds:schemaRefs>
-    <ds:schemaRef ds:uri="http://purl.org/dc/terms/"/>
-    <ds:schemaRef ds:uri="514a554b-82b0-4359-b247-fc84018a95f0"/>
-    <ds:schemaRef ds:uri="http://schemas.openxmlformats.org/package/2006/metadata/core-properties"/>
-    <ds:schemaRef ds:uri="http://purl.org/dc/elements/1.1/"/>
-    <ds:schemaRef ds:uri="http://schemas.microsoft.com/office/infopath/2007/PartnerControls"/>
-    <ds:schemaRef ds:uri="http://schemas.microsoft.com/office/2006/documentManagement/types"/>
-    <ds:schemaRef ds:uri="ef624bc2-1644-4d69-8362-5c28ca496374"/>
-    <ds:schemaRef ds:uri="http://schemas.microsoft.com/office/2006/metadata/properties"/>
-    <ds:schemaRef ds:uri="http://www.w3.org/XML/1998/namespace"/>
-    <ds:schemaRef ds:uri="http://purl.org/dc/dcmitype/"/>
-  </ds:schemaRefs>
-</ds:datastoreItem>
-</file>
-
 <file path=customXml/itemProps3.xml><?xml version="1.0" encoding="utf-8"?>
 <ds:datastoreItem xmlns:ds="http://schemas.openxmlformats.org/officeDocument/2006/customXml" ds:itemID="{B00FC41E-FBDE-42E2-B58A-20EBD240A376}">
   <ds:schemaRefs>

--- a/Templates/BNP Paribas.pptx
+++ b/Templates/BNP Paribas.pptx
@@ -26352,7 +26352,7 @@
                   <a:schemeClr val="tx2"/>
                 </a:solidFill>
               </a:rPr>
-              <a:t>À la date de constatation finale, le &lt;DCF&gt;, en l’absence de remboursement anticipé automatique préalable, on compare le &lt;SJR3&gt; de clôture &lt;SJR7&gt;</a:t>
+              <a:t>À la date de constatation finale, le &lt;DCF_MAJ&gt;, en l’absence de remboursement anticipé automatique préalable, on compare le &lt;SJR3&gt; de clôture &lt;SJR7&gt;</a:t>
             </a:r>
             <a:r>
               <a:rPr lang="en-US" sz="800" dirty="0">
@@ -26528,7 +26528,39 @@
                   <a:schemeClr val="tx2"/>
                 </a:solidFill>
               </a:rPr>
-              <a:t>clôture à un &lt;SJR3&gt; strictement inférieur à &lt;PDI&gt; de son &lt;SJR3&gt; de Référence, l’investisseur reçoit, le &lt;DEC_MAJ&gt; : </a:t>
+              <a:t>clôture à un &lt;SJR3&gt; strictement inférieur à &lt;PDI&gt; de son &lt;SJR3&gt; </a:t>
+            </a:r>
+            <a:r>
+              <a:rPr lang="fr-FR" sz="800" b="1">
+                <a:solidFill>
+                  <a:schemeClr val="tx2"/>
+                </a:solidFill>
+              </a:rPr>
+              <a:t>de son </a:t>
+            </a:r>
+            <a:r>
+              <a:rPr lang="fr-FR" sz="800" b="1">
+                <a:solidFill>
+                  <a:srgbClr val="000000"/>
+                </a:solidFill>
+              </a:rPr>
+              <a:t>&lt;</a:t>
+            </a:r>
+            <a:r>
+              <a:rPr lang="fr-FR" sz="800" b="1" dirty="0">
+                <a:solidFill>
+                  <a:srgbClr val="000000"/>
+                </a:solidFill>
+              </a:rPr>
+              <a:t>NDR&gt;</a:t>
+            </a:r>
+            <a:r>
+              <a:rPr lang="fr-FR" sz="800" b="1" dirty="0">
+                <a:solidFill>
+                  <a:schemeClr val="tx2"/>
+                </a:solidFill>
+              </a:rPr>
+              <a:t>, l’investisseur reçoit, le &lt;DEC_MAJ&gt; : </a:t>
             </a:r>
           </a:p>
         </p:txBody>
@@ -37120,18 +37152,6 @@
 </file>
 
 <file path=customXml/item1.xml><?xml version="1.0" encoding="utf-8"?>
-<p:properties xmlns:p="http://schemas.microsoft.com/office/2006/metadata/properties" xmlns:xsi="http://www.w3.org/2001/XMLSchema-instance" xmlns:pc="http://schemas.microsoft.com/office/infopath/2007/PartnerControls">
-  <documentManagement>
-    <_Flow_SignoffStatus xmlns="ef624bc2-1644-4d69-8362-5c28ca496374" xsi:nil="true"/>
-    <TaxCatchAll xmlns="514a554b-82b0-4359-b247-fc84018a95f0" xsi:nil="true"/>
-    <lcf76f155ced4ddcb4097134ff3c332f xmlns="ef624bc2-1644-4d69-8362-5c28ca496374">
-      <Terms xmlns="http://schemas.microsoft.com/office/infopath/2007/PartnerControls"/>
-    </lcf76f155ced4ddcb4097134ff3c332f>
-  </documentManagement>
-</p:properties>
-</file>
-
-<file path=customXml/item2.xml><?xml version="1.0" encoding="utf-8"?>
 <ct:contentTypeSchema xmlns:ct="http://schemas.microsoft.com/office/2006/metadata/contentType" xmlns:ma="http://schemas.microsoft.com/office/2006/metadata/properties/metaAttributes" ct:_="" ma:_="" ma:contentTypeName="Document" ma:contentTypeID="0x0101005DDE610BC516E448BB8152259F39635A" ma:contentTypeVersion="17" ma:contentTypeDescription="Crée un document." ma:contentTypeScope="" ma:versionID="bfb75e103009df80b8e5001438c41194">
   <xsd:schema xmlns:xsd="http://www.w3.org/2001/XMLSchema" xmlns:xs="http://www.w3.org/2001/XMLSchema" xmlns:p="http://schemas.microsoft.com/office/2006/metadata/properties" xmlns:ns2="ef624bc2-1644-4d69-8362-5c28ca496374" xmlns:ns3="514a554b-82b0-4359-b247-fc84018a95f0" targetNamespace="http://schemas.microsoft.com/office/2006/metadata/properties" ma:root="true" ma:fieldsID="2ae3df86d13efbb4a35042af2564d386" ns2:_="" ns3:_="">
     <xsd:import namespace="ef624bc2-1644-4d69-8362-5c28ca496374"/>
@@ -37380,6 +37400,18 @@
 </ct:contentTypeSchema>
 </file>
 
+<file path=customXml/item2.xml><?xml version="1.0" encoding="utf-8"?>
+<p:properties xmlns:p="http://schemas.microsoft.com/office/2006/metadata/properties" xmlns:xsi="http://www.w3.org/2001/XMLSchema-instance" xmlns:pc="http://schemas.microsoft.com/office/infopath/2007/PartnerControls">
+  <documentManagement>
+    <_Flow_SignoffStatus xmlns="ef624bc2-1644-4d69-8362-5c28ca496374" xsi:nil="true"/>
+    <TaxCatchAll xmlns="514a554b-82b0-4359-b247-fc84018a95f0" xsi:nil="true"/>
+    <lcf76f155ced4ddcb4097134ff3c332f xmlns="ef624bc2-1644-4d69-8362-5c28ca496374">
+      <Terms xmlns="http://schemas.microsoft.com/office/infopath/2007/PartnerControls"/>
+    </lcf76f155ced4ddcb4097134ff3c332f>
+  </documentManagement>
+</p:properties>
+</file>
+
 <file path=customXml/item3.xml><?xml version="1.0" encoding="utf-8"?>
 <?mso-contentType ?>
 <FormTemplates xmlns="http://schemas.microsoft.com/sharepoint/v3/contenttype/forms">
@@ -37390,23 +37422,6 @@
 </file>
 
 <file path=customXml/itemProps1.xml><?xml version="1.0" encoding="utf-8"?>
-<ds:datastoreItem xmlns:ds="http://schemas.openxmlformats.org/officeDocument/2006/customXml" ds:itemID="{25DE574B-2CD2-4078-9BEA-2A14717D9698}">
-  <ds:schemaRefs>
-    <ds:schemaRef ds:uri="http://purl.org/dc/terms/"/>
-    <ds:schemaRef ds:uri="514a554b-82b0-4359-b247-fc84018a95f0"/>
-    <ds:schemaRef ds:uri="http://schemas.openxmlformats.org/package/2006/metadata/core-properties"/>
-    <ds:schemaRef ds:uri="http://purl.org/dc/elements/1.1/"/>
-    <ds:schemaRef ds:uri="http://schemas.microsoft.com/office/infopath/2007/PartnerControls"/>
-    <ds:schemaRef ds:uri="http://schemas.microsoft.com/office/2006/documentManagement/types"/>
-    <ds:schemaRef ds:uri="ef624bc2-1644-4d69-8362-5c28ca496374"/>
-    <ds:schemaRef ds:uri="http://schemas.microsoft.com/office/2006/metadata/properties"/>
-    <ds:schemaRef ds:uri="http://www.w3.org/XML/1998/namespace"/>
-    <ds:schemaRef ds:uri="http://purl.org/dc/dcmitype/"/>
-  </ds:schemaRefs>
-</ds:datastoreItem>
-</file>
-
-<file path=customXml/itemProps2.xml><?xml version="1.0" encoding="utf-8"?>
 <ds:datastoreItem xmlns:ds="http://schemas.openxmlformats.org/officeDocument/2006/customXml" ds:itemID="{049ECCCF-890C-4C54-BAB4-06AB610C1865}">
   <ds:schemaRefs>
     <ds:schemaRef ds:uri="http://schemas.microsoft.com/office/2006/metadata/contentType"/>
@@ -37425,6 +37440,23 @@
 </ds:datastoreItem>
 </file>
 
+<file path=customXml/itemProps2.xml><?xml version="1.0" encoding="utf-8"?>
+<ds:datastoreItem xmlns:ds="http://schemas.openxmlformats.org/officeDocument/2006/customXml" ds:itemID="{25DE574B-2CD2-4078-9BEA-2A14717D9698}">
+  <ds:schemaRefs>
+    <ds:schemaRef ds:uri="http://purl.org/dc/terms/"/>
+    <ds:schemaRef ds:uri="514a554b-82b0-4359-b247-fc84018a95f0"/>
+    <ds:schemaRef ds:uri="http://schemas.openxmlformats.org/package/2006/metadata/core-properties"/>
+    <ds:schemaRef ds:uri="http://purl.org/dc/elements/1.1/"/>
+    <ds:schemaRef ds:uri="http://schemas.microsoft.com/office/infopath/2007/PartnerControls"/>
+    <ds:schemaRef ds:uri="http://schemas.microsoft.com/office/2006/documentManagement/types"/>
+    <ds:schemaRef ds:uri="ef624bc2-1644-4d69-8362-5c28ca496374"/>
+    <ds:schemaRef ds:uri="http://schemas.microsoft.com/office/2006/metadata/properties"/>
+    <ds:schemaRef ds:uri="http://www.w3.org/XML/1998/namespace"/>
+    <ds:schemaRef ds:uri="http://purl.org/dc/dcmitype/"/>
+  </ds:schemaRefs>
+</ds:datastoreItem>
+</file>
+
 <file path=customXml/itemProps3.xml><?xml version="1.0" encoding="utf-8"?>
 <ds:datastoreItem xmlns:ds="http://schemas.openxmlformats.org/officeDocument/2006/customXml" ds:itemID="{B00FC41E-FBDE-42E2-B58A-20EBD240A376}">
   <ds:schemaRefs>

--- a/Templates/BNP Paribas.pptx
+++ b/Templates/BNP Paribas.pptx
@@ -230,7 +230,7 @@
           <a:p>
             <a:fld id="{515CCE07-1711-4DC7-A7D8-7ED312C82FB8}" type="datetimeFigureOut">
               <a:rPr lang="fr-FR" smtClean="0"/>
-              <a:t>19/07/2022</a:t>
+              <a:t>20/07/2022</a:t>
             </a:fld>
             <a:endParaRPr lang="fr-FR"/>
           </a:p>
@@ -395,7 +395,7 @@
           <a:p>
             <a:fld id="{014ABEAC-8B63-4BD1-9569-A14EB8752A94}" type="datetimeFigureOut">
               <a:rPr lang="fr-FR" smtClean="0"/>
-              <a:t>19/07/2022</a:t>
+              <a:t>20/07/2022</a:t>
             </a:fld>
             <a:endParaRPr lang="fr-FR"/>
           </a:p>
@@ -26432,23 +26432,7 @@
                   <a:schemeClr val="tx2"/>
                 </a:solidFill>
               </a:rPr>
-              <a:t>clôture à un &lt;SJR3&gt; supérieur ou égal à &lt;</a:t>
-            </a:r>
-            <a:r>
-              <a:rPr lang="fr-FR" sz="800" b="1">
-                <a:solidFill>
-                  <a:schemeClr val="tx2"/>
-                </a:solidFill>
-              </a:rPr>
-              <a:t>DBAC&gt; </a:t>
-            </a:r>
-            <a:r>
-              <a:rPr lang="fr-FR" sz="800" b="1" dirty="0">
-                <a:solidFill>
-                  <a:schemeClr val="tx2"/>
-                </a:solidFill>
-              </a:rPr>
-              <a:t>de son &lt;NDR&gt;, l’investisseur reçoit, le &lt;DEC_MAJ&gt;</a:t>
+              <a:t>clôture à un &lt;SJR3&gt; supérieur ou égal à &lt;DBAC&gt; de son &lt;NDR&gt;, l’investisseur reçoit, le &lt;DEC_MAJ&gt;</a:t>
             </a:r>
             <a:r>
               <a:rPr lang="fr-FR" sz="800" b="1" baseline="30000" dirty="0">
@@ -26528,7 +26512,7 @@
                   <a:schemeClr val="tx2"/>
                 </a:solidFill>
               </a:rPr>
-              <a:t>clôture à un &lt;SJR3&gt; strictement inférieur à &lt;PDI&gt; de son &lt;SJR3&gt; </a:t>
+              <a:t>clôture à un &lt;SJR3&gt; strictement inférieur à &lt;PDI&gt; de son &lt;SJR3&gt; de son </a:t>
             </a:r>
             <a:r>
               <a:rPr lang="fr-FR" sz="800" b="1">
@@ -26536,31 +26520,15 @@
                   <a:schemeClr val="tx2"/>
                 </a:solidFill>
               </a:rPr>
-              <a:t>de son </a:t>
-            </a:r>
-            <a:r>
-              <a:rPr lang="fr-FR" sz="800" b="1">
-                <a:solidFill>
-                  <a:srgbClr val="000000"/>
-                </a:solidFill>
-              </a:rPr>
-              <a:t>&lt;</a:t>
+              <a:t>&lt;NDR&gt;, l’investisseur </a:t>
             </a:r>
             <a:r>
               <a:rPr lang="fr-FR" sz="800" b="1" dirty="0">
                 <a:solidFill>
-                  <a:srgbClr val="000000"/>
-                </a:solidFill>
-              </a:rPr>
-              <a:t>NDR&gt;</a:t>
-            </a:r>
-            <a:r>
-              <a:rPr lang="fr-FR" sz="800" b="1" dirty="0">
-                <a:solidFill>
                   <a:schemeClr val="tx2"/>
                 </a:solidFill>
               </a:rPr>
-              <a:t>, l’investisseur reçoit, le &lt;DEC_MAJ&gt; : </a:t>
+              <a:t>reçoit, le &lt;DEC_MAJ&gt; : </a:t>
             </a:r>
           </a:p>
         </p:txBody>

--- a/Templates/BNP Paribas.pptx
+++ b/Templates/BNP Paribas.pptx
@@ -230,7 +230,7 @@
           <a:p>
             <a:fld id="{515CCE07-1711-4DC7-A7D8-7ED312C82FB8}" type="datetimeFigureOut">
               <a:rPr lang="fr-FR" smtClean="0"/>
-              <a:t>20/07/2022</a:t>
+              <a:t>26/07/2022</a:t>
             </a:fld>
             <a:endParaRPr lang="fr-FR"/>
           </a:p>
@@ -395,7 +395,7 @@
           <a:p>
             <a:fld id="{014ABEAC-8B63-4BD1-9569-A14EB8752A94}" type="datetimeFigureOut">
               <a:rPr lang="fr-FR" smtClean="0"/>
-              <a:t>20/07/2022</a:t>
+              <a:t>26/07/2022</a:t>
             </a:fld>
             <a:endParaRPr lang="fr-FR"/>
           </a:p>
@@ -5012,17 +5012,14 @@
               <a:rPr lang="fr-FR" sz="1200" cap="none" dirty="0">
                 <a:latin typeface="Futura PT" panose="020B0902020204020203" pitchFamily="34" charset="0"/>
               </a:rPr>
-              <a:t>ZOOM SUR </a:t>
-            </a:r>
-            <a:r>
-              <a:rPr lang="fr-FR" sz="1200" cap="none" dirty="0">
-                <a:solidFill>
-                  <a:srgbClr val="B9A049"/>
-                </a:solidFill>
-                <a:latin typeface="Futura PT" panose="020B0902020204020203" pitchFamily="34" charset="0"/>
-              </a:rPr>
-              <a:t>&lt;NOMSOUSJACENTP1&gt;   </a:t>
-            </a:r>
+              <a:t>ZOOM SUR &lt;NOMSOUSJACENTP1&gt;</a:t>
+            </a:r>
+            <a:endParaRPr lang="fr-FR" sz="1200" cap="none" dirty="0">
+              <a:solidFill>
+                <a:srgbClr val="B9A049"/>
+              </a:solidFill>
+              <a:latin typeface="Futura PT" panose="020B0902020204020203" pitchFamily="34" charset="0"/>
+            </a:endParaRPr>
           </a:p>
         </p:txBody>
       </p:sp>
@@ -6268,13 +6265,13 @@
               <a:t> </a:t>
             </a:r>
             <a:r>
-              <a:rPr lang="fr-FR" sz="1200" cap="none" dirty="0">
+              <a:rPr lang="fr-FR" sz="1200" cap="none">
                 <a:latin typeface="Futura PT" panose="020B0902020204020203" pitchFamily="34" charset="0"/>
               </a:rPr>
               <a:t>ET LE </a:t>
             </a:r>
             <a:r>
-              <a:rPr lang="fr-FR" sz="1200" cap="none" dirty="0">
+              <a:rPr lang="fr-FR" sz="1200" cap="none">
                 <a:solidFill>
                   <a:srgbClr val="B9A049"/>
                 </a:solidFill>
@@ -6282,6 +6279,12 @@
               </a:rPr>
               <a:t>&lt;DDR1&gt;</a:t>
             </a:r>
+            <a:endParaRPr lang="fr-FR" sz="1200" cap="none" dirty="0">
+              <a:solidFill>
+                <a:srgbClr val="B9A049"/>
+              </a:solidFill>
+              <a:latin typeface="Futura PT" panose="020B0902020204020203" pitchFamily="34" charset="0"/>
+            </a:endParaRPr>
           </a:p>
         </p:txBody>
       </p:sp>
@@ -37120,6 +37123,18 @@
 </file>
 
 <file path=customXml/item1.xml><?xml version="1.0" encoding="utf-8"?>
+<p:properties xmlns:p="http://schemas.microsoft.com/office/2006/metadata/properties" xmlns:xsi="http://www.w3.org/2001/XMLSchema-instance" xmlns:pc="http://schemas.microsoft.com/office/infopath/2007/PartnerControls">
+  <documentManagement>
+    <_Flow_SignoffStatus xmlns="ef624bc2-1644-4d69-8362-5c28ca496374" xsi:nil="true"/>
+    <TaxCatchAll xmlns="514a554b-82b0-4359-b247-fc84018a95f0" xsi:nil="true"/>
+    <lcf76f155ced4ddcb4097134ff3c332f xmlns="ef624bc2-1644-4d69-8362-5c28ca496374">
+      <Terms xmlns="http://schemas.microsoft.com/office/infopath/2007/PartnerControls"/>
+    </lcf76f155ced4ddcb4097134ff3c332f>
+  </documentManagement>
+</p:properties>
+</file>
+
+<file path=customXml/item2.xml><?xml version="1.0" encoding="utf-8"?>
 <ct:contentTypeSchema xmlns:ct="http://schemas.microsoft.com/office/2006/metadata/contentType" xmlns:ma="http://schemas.microsoft.com/office/2006/metadata/properties/metaAttributes" ct:_="" ma:_="" ma:contentTypeName="Document" ma:contentTypeID="0x0101005DDE610BC516E448BB8152259F39635A" ma:contentTypeVersion="17" ma:contentTypeDescription="Crée un document." ma:contentTypeScope="" ma:versionID="bfb75e103009df80b8e5001438c41194">
   <xsd:schema xmlns:xsd="http://www.w3.org/2001/XMLSchema" xmlns:xs="http://www.w3.org/2001/XMLSchema" xmlns:p="http://schemas.microsoft.com/office/2006/metadata/properties" xmlns:ns2="ef624bc2-1644-4d69-8362-5c28ca496374" xmlns:ns3="514a554b-82b0-4359-b247-fc84018a95f0" targetNamespace="http://schemas.microsoft.com/office/2006/metadata/properties" ma:root="true" ma:fieldsID="2ae3df86d13efbb4a35042af2564d386" ns2:_="" ns3:_="">
     <xsd:import namespace="ef624bc2-1644-4d69-8362-5c28ca496374"/>
@@ -37368,18 +37383,6 @@
 </ct:contentTypeSchema>
 </file>
 
-<file path=customXml/item2.xml><?xml version="1.0" encoding="utf-8"?>
-<p:properties xmlns:p="http://schemas.microsoft.com/office/2006/metadata/properties" xmlns:xsi="http://www.w3.org/2001/XMLSchema-instance" xmlns:pc="http://schemas.microsoft.com/office/infopath/2007/PartnerControls">
-  <documentManagement>
-    <_Flow_SignoffStatus xmlns="ef624bc2-1644-4d69-8362-5c28ca496374" xsi:nil="true"/>
-    <TaxCatchAll xmlns="514a554b-82b0-4359-b247-fc84018a95f0" xsi:nil="true"/>
-    <lcf76f155ced4ddcb4097134ff3c332f xmlns="ef624bc2-1644-4d69-8362-5c28ca496374">
-      <Terms xmlns="http://schemas.microsoft.com/office/infopath/2007/PartnerControls"/>
-    </lcf76f155ced4ddcb4097134ff3c332f>
-  </documentManagement>
-</p:properties>
-</file>
-
 <file path=customXml/item3.xml><?xml version="1.0" encoding="utf-8"?>
 <?mso-contentType ?>
 <FormTemplates xmlns="http://schemas.microsoft.com/sharepoint/v3/contenttype/forms">
@@ -37390,6 +37393,23 @@
 </file>
 
 <file path=customXml/itemProps1.xml><?xml version="1.0" encoding="utf-8"?>
+<ds:datastoreItem xmlns:ds="http://schemas.openxmlformats.org/officeDocument/2006/customXml" ds:itemID="{25DE574B-2CD2-4078-9BEA-2A14717D9698}">
+  <ds:schemaRefs>
+    <ds:schemaRef ds:uri="http://purl.org/dc/terms/"/>
+    <ds:schemaRef ds:uri="514a554b-82b0-4359-b247-fc84018a95f0"/>
+    <ds:schemaRef ds:uri="http://schemas.openxmlformats.org/package/2006/metadata/core-properties"/>
+    <ds:schemaRef ds:uri="http://purl.org/dc/elements/1.1/"/>
+    <ds:schemaRef ds:uri="http://schemas.microsoft.com/office/infopath/2007/PartnerControls"/>
+    <ds:schemaRef ds:uri="http://schemas.microsoft.com/office/2006/documentManagement/types"/>
+    <ds:schemaRef ds:uri="ef624bc2-1644-4d69-8362-5c28ca496374"/>
+    <ds:schemaRef ds:uri="http://schemas.microsoft.com/office/2006/metadata/properties"/>
+    <ds:schemaRef ds:uri="http://www.w3.org/XML/1998/namespace"/>
+    <ds:schemaRef ds:uri="http://purl.org/dc/dcmitype/"/>
+  </ds:schemaRefs>
+</ds:datastoreItem>
+</file>
+
+<file path=customXml/itemProps2.xml><?xml version="1.0" encoding="utf-8"?>
 <ds:datastoreItem xmlns:ds="http://schemas.openxmlformats.org/officeDocument/2006/customXml" ds:itemID="{049ECCCF-890C-4C54-BAB4-06AB610C1865}">
   <ds:schemaRefs>
     <ds:schemaRef ds:uri="http://schemas.microsoft.com/office/2006/metadata/contentType"/>
@@ -37408,23 +37428,6 @@
 </ds:datastoreItem>
 </file>
 
-<file path=customXml/itemProps2.xml><?xml version="1.0" encoding="utf-8"?>
-<ds:datastoreItem xmlns:ds="http://schemas.openxmlformats.org/officeDocument/2006/customXml" ds:itemID="{25DE574B-2CD2-4078-9BEA-2A14717D9698}">
-  <ds:schemaRefs>
-    <ds:schemaRef ds:uri="http://purl.org/dc/terms/"/>
-    <ds:schemaRef ds:uri="514a554b-82b0-4359-b247-fc84018a95f0"/>
-    <ds:schemaRef ds:uri="http://schemas.openxmlformats.org/package/2006/metadata/core-properties"/>
-    <ds:schemaRef ds:uri="http://purl.org/dc/elements/1.1/"/>
-    <ds:schemaRef ds:uri="http://schemas.microsoft.com/office/infopath/2007/PartnerControls"/>
-    <ds:schemaRef ds:uri="http://schemas.microsoft.com/office/2006/documentManagement/types"/>
-    <ds:schemaRef ds:uri="ef624bc2-1644-4d69-8362-5c28ca496374"/>
-    <ds:schemaRef ds:uri="http://schemas.microsoft.com/office/2006/metadata/properties"/>
-    <ds:schemaRef ds:uri="http://www.w3.org/XML/1998/namespace"/>
-    <ds:schemaRef ds:uri="http://purl.org/dc/dcmitype/"/>
-  </ds:schemaRefs>
-</ds:datastoreItem>
-</file>
-
 <file path=customXml/itemProps3.xml><?xml version="1.0" encoding="utf-8"?>
 <ds:datastoreItem xmlns:ds="http://schemas.openxmlformats.org/officeDocument/2006/customXml" ds:itemID="{B00FC41E-FBDE-42E2-B58A-20EBD240A376}">
   <ds:schemaRefs>

--- a/Templates/BNP Paribas.pptx
+++ b/Templates/BNP Paribas.pptx
@@ -21759,7 +21759,7 @@
         <p:spPr>
           <a:xfrm>
             <a:off x="458462" y="974579"/>
-            <a:ext cx="6741374" cy="3539430"/>
+            <a:ext cx="6741374" cy="3513782"/>
           </a:xfrm>
           <a:prstGeom prst="rect">
             <a:avLst/>
@@ -22605,10 +22605,24 @@
                 <a:ea typeface="+mn-ea"/>
                 <a:cs typeface="+mn-cs"/>
               </a:rPr>
-              <a:t>ou égal à &lt;ABAC&gt; &lt;balisedeg1&gt;</a:t>
-            </a:r>
-            <a:r>
-              <a:rPr kumimoji="0" lang="fr-FR" sz="800" b="0" i="0" u="none" strike="noStrike" kern="1200" cap="none" spc="0" normalizeH="0" baseline="0" noProof="0" dirty="0">
+              <a:t>ou égal à &lt;ABAC&gt;  </a:t>
+            </a:r>
+            <a:r>
+              <a:rPr kumimoji="0" lang="fr-FR" sz="800" b="0" i="0" u="none" strike="noStrike" kern="1200" cap="none" spc="0" normalizeH="0" baseline="0" noProof="0">
+                <a:ln>
+                  <a:noFill/>
+                </a:ln>
+                <a:effectLst/>
+                <a:uLnTx/>
+                <a:uFillTx/>
+                <a:latin typeface="Proxima Nova Rg"/>
+                <a:ea typeface="+mn-ea"/>
+                <a:cs typeface="+mn-cs"/>
+              </a:rPr>
+              <a:t>&lt;balisedeg1&gt;</a:t>
+            </a:r>
+            <a:r>
+              <a:rPr kumimoji="0" lang="fr-FR" sz="800" b="0" i="0" u="none" strike="noStrike" kern="1200" cap="none" spc="0" normalizeH="0" baseline="0" noProof="0">
                 <a:ln>
                   <a:noFill/>
                 </a:ln>
@@ -22628,18 +22642,18 @@
               <a:effectLst/>
               <a:uLnTx/>
               <a:uFillTx/>
-              <a:latin typeface="Proxima Nova Rg"/>
+              <a:latin typeface="Proxima Nova Rg" panose="02000506030000020004" pitchFamily="2" charset="0"/>
               <a:ea typeface="+mn-ea"/>
               <a:cs typeface="+mn-cs"/>
             </a:endParaRPr>
           </a:p>
           <a:p>
-            <a:pPr marL="0" marR="0" lvl="1" indent="0" algn="just" defTabSz="755934" rtl="0" eaLnBrk="1" fontAlgn="auto" latinLnBrk="0" hangingPunct="1">
+            <a:pPr marL="0" marR="0" lvl="2" indent="0" algn="just" defTabSz="755934" rtl="0" eaLnBrk="1" fontAlgn="auto" latinLnBrk="0" hangingPunct="1">
               <a:lnSpc>
                 <a:spcPct val="90000"/>
               </a:lnSpc>
               <a:spcBef>
-                <a:spcPts val="600"/>
+                <a:spcPts val="400"/>
               </a:spcBef>
               <a:spcAft>
                 <a:spcPts val="200"/>
@@ -24588,7 +24602,35 @@
                 <a:ea typeface="+mn-ea"/>
                 <a:cs typeface="+mn-cs"/>
               </a:rPr>
-              <a:t>&lt;ABAC2&gt;.</a:t>
+              <a:t>&lt;ABAC2&gt;</a:t>
+            </a:r>
+            <a:r>
+              <a:rPr kumimoji="0" lang="fr-FR" sz="800" b="0" i="0" u="none" strike="noStrike" kern="1200" cap="none" spc="0" normalizeH="0" baseline="0" noProof="0" dirty="0">
+                <a:ln>
+                  <a:noFill/>
+                </a:ln>
+                <a:effectLst/>
+                <a:uLnTx/>
+                <a:uFillTx/>
+                <a:latin typeface="Proxima Nova Rg"/>
+                <a:ea typeface="+mn-ea"/>
+                <a:cs typeface="+mn-cs"/>
+              </a:rPr>
+              <a:t> &lt;balisedeg1&gt;</a:t>
+            </a:r>
+            <a:r>
+              <a:rPr kumimoji="0" lang="fr-FR" sz="800" b="0" i="0" u="none" strike="noStrike" kern="1200" cap="none" spc="0" normalizeH="0" baseline="0" noProof="0" dirty="0">
+                <a:ln>
+                  <a:noFill/>
+                </a:ln>
+                <a:effectLst/>
+                <a:uLnTx/>
+                <a:uFillTx/>
+                <a:latin typeface="Proxima Nova Rg" panose="02000506030000020004" pitchFamily="2" charset="0"/>
+                <a:ea typeface="+mn-ea"/>
+                <a:cs typeface="+mn-cs"/>
+              </a:rPr>
+              <a:t>.</a:t>
             </a:r>
             <a:endParaRPr kumimoji="0" lang="fr-FR" sz="800" b="0" i="0" u="none" strike="noStrike" kern="1200" cap="none" spc="0" normalizeH="0" baseline="0" noProof="0" dirty="0">
               <a:ln>
@@ -37123,18 +37165,6 @@
 </file>
 
 <file path=customXml/item1.xml><?xml version="1.0" encoding="utf-8"?>
-<p:properties xmlns:p="http://schemas.microsoft.com/office/2006/metadata/properties" xmlns:xsi="http://www.w3.org/2001/XMLSchema-instance" xmlns:pc="http://schemas.microsoft.com/office/infopath/2007/PartnerControls">
-  <documentManagement>
-    <_Flow_SignoffStatus xmlns="ef624bc2-1644-4d69-8362-5c28ca496374" xsi:nil="true"/>
-    <TaxCatchAll xmlns="514a554b-82b0-4359-b247-fc84018a95f0" xsi:nil="true"/>
-    <lcf76f155ced4ddcb4097134ff3c332f xmlns="ef624bc2-1644-4d69-8362-5c28ca496374">
-      <Terms xmlns="http://schemas.microsoft.com/office/infopath/2007/PartnerControls"/>
-    </lcf76f155ced4ddcb4097134ff3c332f>
-  </documentManagement>
-</p:properties>
-</file>
-
-<file path=customXml/item2.xml><?xml version="1.0" encoding="utf-8"?>
 <ct:contentTypeSchema xmlns:ct="http://schemas.microsoft.com/office/2006/metadata/contentType" xmlns:ma="http://schemas.microsoft.com/office/2006/metadata/properties/metaAttributes" ct:_="" ma:_="" ma:contentTypeName="Document" ma:contentTypeID="0x0101005DDE610BC516E448BB8152259F39635A" ma:contentTypeVersion="17" ma:contentTypeDescription="Crée un document." ma:contentTypeScope="" ma:versionID="bfb75e103009df80b8e5001438c41194">
   <xsd:schema xmlns:xsd="http://www.w3.org/2001/XMLSchema" xmlns:xs="http://www.w3.org/2001/XMLSchema" xmlns:p="http://schemas.microsoft.com/office/2006/metadata/properties" xmlns:ns2="ef624bc2-1644-4d69-8362-5c28ca496374" xmlns:ns3="514a554b-82b0-4359-b247-fc84018a95f0" targetNamespace="http://schemas.microsoft.com/office/2006/metadata/properties" ma:root="true" ma:fieldsID="2ae3df86d13efbb4a35042af2564d386" ns2:_="" ns3:_="">
     <xsd:import namespace="ef624bc2-1644-4d69-8362-5c28ca496374"/>
@@ -37383,7 +37413,7 @@
 </ct:contentTypeSchema>
 </file>
 
-<file path=customXml/item3.xml><?xml version="1.0" encoding="utf-8"?>
+<file path=customXml/item2.xml><?xml version="1.0" encoding="utf-8"?>
 <?mso-contentType ?>
 <FormTemplates xmlns="http://schemas.microsoft.com/sharepoint/v3/contenttype/forms">
   <Display>DocumentLibraryForm</Display>
@@ -37392,24 +37422,19 @@
 </FormTemplates>
 </file>
 
-<file path=customXml/itemProps1.xml><?xml version="1.0" encoding="utf-8"?>
-<ds:datastoreItem xmlns:ds="http://schemas.openxmlformats.org/officeDocument/2006/customXml" ds:itemID="{25DE574B-2CD2-4078-9BEA-2A14717D9698}">
-  <ds:schemaRefs>
-    <ds:schemaRef ds:uri="http://purl.org/dc/terms/"/>
-    <ds:schemaRef ds:uri="514a554b-82b0-4359-b247-fc84018a95f0"/>
-    <ds:schemaRef ds:uri="http://schemas.openxmlformats.org/package/2006/metadata/core-properties"/>
-    <ds:schemaRef ds:uri="http://purl.org/dc/elements/1.1/"/>
-    <ds:schemaRef ds:uri="http://schemas.microsoft.com/office/infopath/2007/PartnerControls"/>
-    <ds:schemaRef ds:uri="http://schemas.microsoft.com/office/2006/documentManagement/types"/>
-    <ds:schemaRef ds:uri="ef624bc2-1644-4d69-8362-5c28ca496374"/>
-    <ds:schemaRef ds:uri="http://schemas.microsoft.com/office/2006/metadata/properties"/>
-    <ds:schemaRef ds:uri="http://www.w3.org/XML/1998/namespace"/>
-    <ds:schemaRef ds:uri="http://purl.org/dc/dcmitype/"/>
-  </ds:schemaRefs>
-</ds:datastoreItem>
+<file path=customXml/item3.xml><?xml version="1.0" encoding="utf-8"?>
+<p:properties xmlns:p="http://schemas.microsoft.com/office/2006/metadata/properties" xmlns:xsi="http://www.w3.org/2001/XMLSchema-instance" xmlns:pc="http://schemas.microsoft.com/office/infopath/2007/PartnerControls">
+  <documentManagement>
+    <_Flow_SignoffStatus xmlns="ef624bc2-1644-4d69-8362-5c28ca496374" xsi:nil="true"/>
+    <TaxCatchAll xmlns="514a554b-82b0-4359-b247-fc84018a95f0" xsi:nil="true"/>
+    <lcf76f155ced4ddcb4097134ff3c332f xmlns="ef624bc2-1644-4d69-8362-5c28ca496374">
+      <Terms xmlns="http://schemas.microsoft.com/office/infopath/2007/PartnerControls"/>
+    </lcf76f155ced4ddcb4097134ff3c332f>
+  </documentManagement>
+</p:properties>
 </file>
 
-<file path=customXml/itemProps2.xml><?xml version="1.0" encoding="utf-8"?>
+<file path=customXml/itemProps1.xml><?xml version="1.0" encoding="utf-8"?>
 <ds:datastoreItem xmlns:ds="http://schemas.openxmlformats.org/officeDocument/2006/customXml" ds:itemID="{049ECCCF-890C-4C54-BAB4-06AB610C1865}">
   <ds:schemaRefs>
     <ds:schemaRef ds:uri="http://schemas.microsoft.com/office/2006/metadata/contentType"/>
@@ -37428,10 +37453,27 @@
 </ds:datastoreItem>
 </file>
 
-<file path=customXml/itemProps3.xml><?xml version="1.0" encoding="utf-8"?>
+<file path=customXml/itemProps2.xml><?xml version="1.0" encoding="utf-8"?>
 <ds:datastoreItem xmlns:ds="http://schemas.openxmlformats.org/officeDocument/2006/customXml" ds:itemID="{B00FC41E-FBDE-42E2-B58A-20EBD240A376}">
   <ds:schemaRefs>
     <ds:schemaRef ds:uri="http://schemas.microsoft.com/sharepoint/v3/contenttype/forms"/>
   </ds:schemaRefs>
 </ds:datastoreItem>
+</file>
+
+<file path=customXml/itemProps3.xml><?xml version="1.0" encoding="utf-8"?>
+<ds:datastoreItem xmlns:ds="http://schemas.openxmlformats.org/officeDocument/2006/customXml" ds:itemID="{25DE574B-2CD2-4078-9BEA-2A14717D9698}">
+  <ds:schemaRefs>
+    <ds:schemaRef ds:uri="http://purl.org/dc/terms/"/>
+    <ds:schemaRef ds:uri="514a554b-82b0-4359-b247-fc84018a95f0"/>
+    <ds:schemaRef ds:uri="http://schemas.openxmlformats.org/package/2006/metadata/core-properties"/>
+    <ds:schemaRef ds:uri="http://purl.org/dc/elements/1.1/"/>
+    <ds:schemaRef ds:uri="http://schemas.microsoft.com/office/infopath/2007/PartnerControls"/>
+    <ds:schemaRef ds:uri="http://schemas.microsoft.com/office/2006/documentManagement/types"/>
+    <ds:schemaRef ds:uri="ef624bc2-1644-4d69-8362-5c28ca496374"/>
+    <ds:schemaRef ds:uri="http://schemas.microsoft.com/office/2006/metadata/properties"/>
+    <ds:schemaRef ds:uri="http://www.w3.org/XML/1998/namespace"/>
+    <ds:schemaRef ds:uri="http://purl.org/dc/dcmitype/"/>
+  </ds:schemaRefs>
+</ds:datastoreItem>
 </file>
--- a/Templates/BNP Paribas.pptx
+++ b/Templates/BNP Paribas.pptx
@@ -230,7 +230,7 @@
           <a:p>
             <a:fld id="{515CCE07-1711-4DC7-A7D8-7ED312C82FB8}" type="datetimeFigureOut">
               <a:rPr lang="fr-FR" smtClean="0"/>
-              <a:t>26/07/2022</a:t>
+              <a:t>27/07/2022</a:t>
             </a:fld>
             <a:endParaRPr lang="fr-FR"/>
           </a:p>
@@ -395,7 +395,7 @@
           <a:p>
             <a:fld id="{014ABEAC-8B63-4BD1-9569-A14EB8752A94}" type="datetimeFigureOut">
               <a:rPr lang="fr-FR" smtClean="0"/>
-              <a:t>26/07/2022</a:t>
+              <a:t>27/07/2022</a:t>
             </a:fld>
             <a:endParaRPr lang="fr-FR"/>
           </a:p>
@@ -4233,8 +4233,8 @@
         </p:nvSpPr>
         <p:spPr>
           <a:xfrm>
-            <a:off x="4008562" y="4526931"/>
-            <a:ext cx="3189159" cy="1431161"/>
+            <a:off x="4008562" y="4203081"/>
+            <a:ext cx="3189159" cy="2077492"/>
           </a:xfrm>
           <a:prstGeom prst="rect">
             <a:avLst/>
@@ -4270,43 +4270,34 @@
                 <a:spcPct val="0"/>
               </a:spcBef>
               <a:spcAft>
-                <a:spcPct val="0"/>
+                <a:spcPts val="600"/>
               </a:spcAft>
             </a:pPr>
             <a:r>
               <a:rPr lang="fr-FR" sz="800" dirty="0">
                 <a:latin typeface="+mn-lt"/>
               </a:rPr>
-              <a:t>À l’issue &lt;DU&gt; &lt;F0&gt; 2, à la date de constatation correspondante</a:t>
-            </a:r>
-            <a:r>
-              <a:rPr lang="fr-FR" sz="800" baseline="30000" dirty="0">
-                <a:latin typeface="+mn-lt"/>
-              </a:rPr>
-              <a:t>(1)</a:t>
-            </a:r>
+              <a:t>À l’issue &lt;DU&gt; &lt;F0&gt; 2, à la date de constatation correspondante(1), &lt;SJR1&gt; clôture à un &lt;SJR3&gt; strictement inférieur à &lt;ABAC&gt; mais supérieur au seuil de versement du coupon. Le mécanisme de remboursement anticipé automatique n’est donc pas activé mais le produit verse un coupon de &lt;CPN&gt; au titre &lt;DU&gt; &lt;F0&gt; &lt;Mémoire5&gt;.</a:t>
+            </a:r>
+          </a:p>
+          <a:p>
+            <a:pPr defTabSz="1042988" fontAlgn="base">
+              <a:spcBef>
+                <a:spcPct val="0"/>
+              </a:spcBef>
+              <a:spcAft>
+                <a:spcPts val="600"/>
+              </a:spcAft>
+            </a:pPr>
             <a:r>
               <a:rPr lang="fr-FR" sz="800" dirty="0">
                 <a:latin typeface="+mn-lt"/>
               </a:rPr>
-              <a:t>, &lt;SJR1&gt; clôture à un &lt;SJR3&gt; strictement inférieur à &lt;ABAC&gt; mais supérieur au seuil de versement du coupon. Le mécanisme de remboursement anticipé automatique n’est donc pas activé mais le produit verse un coupon de &lt;CPN&gt; au titre &lt;DU&gt; &lt;F0&gt; &lt;Mémoire5&gt;.</a:t>
+              <a:t>À l’issue des &lt;F0&gt;&lt;F0s&gt; 3 à &lt;ADPR&gt;, aux dates de constatation correspondantes(1), &lt;SJR1&gt; clôture à un &lt;SJR3&gt; strictement inférieur au seuil de versement du coupon. Le mécanisme de remboursement anticipé automatique n’est donc pas activé et le produit ne verse aucun coupon&lt;Mémoire4&gt;.</a:t>
             </a:r>
           </a:p>
           <a:p>
-            <a:pPr lvl="0" defTabSz="1042988" fontAlgn="base">
-              <a:spcBef>
-                <a:spcPct val="0"/>
-              </a:spcBef>
-              <a:spcAft>
-                <a:spcPct val="0"/>
-              </a:spcAft>
-            </a:pPr>
-            <a:endParaRPr lang="fr-FR" sz="800" dirty="0">
-              <a:latin typeface="+mn-lt"/>
-            </a:endParaRPr>
-          </a:p>
-          <a:p>
-            <a:pPr lvl="0" defTabSz="1042988" fontAlgn="base">
+            <a:pPr defTabSz="1042988" fontAlgn="base">
               <a:spcBef>
                 <a:spcPct val="0"/>
               </a:spcBef>
@@ -4480,7 +4471,7 @@
         <p:spPr>
           <a:xfrm>
             <a:off x="4008562" y="7334571"/>
-            <a:ext cx="3239378" cy="1754326"/>
+            <a:ext cx="3239378" cy="1384995"/>
           </a:xfrm>
           <a:prstGeom prst="rect">
             <a:avLst/>
@@ -4510,23 +4501,7 @@
                   <a:schemeClr val="tx2"/>
                 </a:solidFill>
               </a:rPr>
-              <a:t>&lt;DU1&gt; &lt;F0&gt; 1 au &lt;F0&gt; &lt;1PR-1&gt;, aux dates de constatation correspondantes</a:t>
-            </a:r>
-            <a:r>
-              <a:rPr lang="fr-FR" sz="800" baseline="30000" dirty="0">
-                <a:solidFill>
-                  <a:schemeClr val="tx2"/>
-                </a:solidFill>
-              </a:rPr>
-              <a:t>(1)</a:t>
-            </a:r>
-            <a:r>
-              <a:rPr lang="fr-FR" sz="800" dirty="0">
-                <a:solidFill>
-                  <a:schemeClr val="tx2"/>
-                </a:solidFill>
-              </a:rPr>
-              <a:t>, &lt;SJR1&gt; clôture à un &lt;SJR3&gt; supérieur au seuil de versement du coupon. Le produit verse alors un coupon de &lt;CPN&gt; au titre de chaque &lt;F0&gt;.</a:t>
+              <a:t>&lt;SFPASANNEE&gt;</a:t>
             </a:r>
           </a:p>
           <a:p>
@@ -6661,7 +6636,7 @@
           <p:nvPr>
             <p:extLst>
               <p:ext uri="{D42A27DB-BD31-4B8C-83A1-F6EECF244321}">
-                <p14:modId xmlns:p14="http://schemas.microsoft.com/office/powerpoint/2010/main" val="1497192070"/>
+                <p14:modId xmlns:p14="http://schemas.microsoft.com/office/powerpoint/2010/main" val="3492653006"/>
               </p:ext>
             </p:extLst>
           </p:nvPr>
@@ -7878,7 +7853,7 @@
                         <a:defRPr/>
                       </a:pPr>
                       <a:r>
-                        <a:rPr kumimoji="0" lang="fr-FR" sz="700" b="1" i="0" u="none" strike="noStrike" kern="1200" cap="none" spc="0" normalizeH="0" baseline="0" noProof="0" dirty="0">
+                        <a:rPr kumimoji="0" lang="fr-FR" sz="700" b="1" i="0" u="none" strike="noStrike" kern="1200" cap="none" spc="0" normalizeH="0" baseline="0" noProof="0">
                           <a:ln>
                             <a:noFill/>
                           </a:ln>
@@ -7892,93 +7867,22 @@
                           <a:ea typeface="+mn-ea"/>
                           <a:cs typeface="+mn-cs"/>
                         </a:rPr>
-                        <a:t>&lt;SJR1&gt; entre &lt;NOMSOUSJACENT&gt; </a:t>
+                        <a:t>&lt;BLOCDIVIDENDE3&gt;</a:t>
                       </a:r>
-                      <a:r>
-                        <a:rPr kumimoji="0" lang="fr-FR" sz="700" b="0" i="0" u="none" strike="noStrike" kern="1200" cap="none" spc="0" normalizeH="0" baseline="0" noProof="0" dirty="0">
-                          <a:ln>
-                            <a:noFill/>
-                          </a:ln>
-                          <a:solidFill>
-                            <a:schemeClr val="tx1"/>
-                          </a:solidFill>
-                          <a:effectLst/>
-                          <a:uLnTx/>
-                          <a:uFillTx/>
-                          <a:latin typeface="+mn-lt"/>
-                          <a:ea typeface="+mn-ea"/>
-                          <a:cs typeface="+mn-cs"/>
-                        </a:rPr>
-                        <a:t>(</a:t>
-                      </a:r>
-                      <a:r>
-                        <a:rPr kumimoji="0" lang="fr-FR" sz="700" b="1" i="0" u="none" strike="noStrike" kern="1200" cap="none" spc="0" normalizeH="0" baseline="0" noProof="0" dirty="0">
-                          <a:ln>
-                            <a:noFill/>
-                          </a:ln>
-                          <a:solidFill>
-                            <a:schemeClr val="tx1"/>
-                          </a:solidFill>
-                          <a:effectLst/>
-                          <a:uLnTx/>
-                          <a:uFillTx/>
-                          <a:latin typeface="+mn-lt"/>
-                          <a:ea typeface="+mn-ea"/>
-                          <a:cs typeface="+mn-cs"/>
-                        </a:rPr>
-                        <a:t>&lt;DIVIDENDE&gt; </a:t>
-                      </a:r>
-                      <a:r>
-                        <a:rPr kumimoji="0" lang="fr-FR" sz="700" b="0" i="0" u="none" strike="noStrike" kern="1200" cap="none" spc="0" normalizeH="0" baseline="0" noProof="0" dirty="0">
-                          <a:ln>
-                            <a:noFill/>
-                          </a:ln>
-                          <a:solidFill>
-                            <a:schemeClr val="tx1"/>
-                          </a:solidFill>
-                          <a:effectLst/>
-                          <a:uLnTx/>
-                          <a:uFillTx/>
-                          <a:latin typeface="+mn-lt"/>
-                          <a:ea typeface="+mn-ea"/>
-                          <a:cs typeface="+mn-cs"/>
-                        </a:rPr>
-                        <a:t>; code Bloomberg : &lt;TICKER&gt; ; &lt;sponsor&gt; : &lt;SPONSOR&gt; ; </a:t>
-                      </a:r>
-                      <a:r>
-                        <a:rPr kumimoji="0" lang="fr-FR" sz="700" b="0" i="0" u="sng" strike="noStrike" kern="1200" cap="none" spc="0" normalizeH="0" baseline="0" noProof="0" dirty="0">
-                          <a:ln>
-                            <a:noFill/>
-                          </a:ln>
-                          <a:solidFill>
-                            <a:srgbClr val="B9A049"/>
-                          </a:solidFill>
-                          <a:effectLst/>
-                          <a:uLnTx/>
-                          <a:uFillTx/>
-                          <a:latin typeface="+mn-lt"/>
-                          <a:ea typeface="+mn-ea"/>
-                          <a:cs typeface="+mn-cs"/>
-                        </a:rPr>
-                        <a:t>&lt;SITE&gt;</a:t>
-                      </a:r>
-                      <a:r>
-                        <a:rPr kumimoji="0" lang="fr-FR" sz="700" b="0" i="0" u="none" strike="noStrike" kern="1200" cap="none" spc="0" normalizeH="0" baseline="0" noProof="0" dirty="0">
-                          <a:ln>
-                            <a:noFill/>
-                          </a:ln>
-                          <a:solidFill>
-                            <a:schemeClr val="tx1"/>
-                          </a:solidFill>
-                          <a:effectLst/>
-                          <a:uLnTx/>
-                          <a:uFillTx/>
-                          <a:latin typeface="+mn-lt"/>
-                          <a:ea typeface="+mn-ea"/>
-                          <a:cs typeface="+mn-cs"/>
-                        </a:rPr>
-                        <a:t>).</a:t>
-                      </a:r>
+                      <a:endParaRPr kumimoji="0" lang="fr-FR" sz="700" b="0" i="0" u="none" strike="noStrike" kern="1200" cap="none" spc="0" normalizeH="0" baseline="0" noProof="0" dirty="0">
+                        <a:ln>
+                          <a:noFill/>
+                        </a:ln>
+                        <a:solidFill>
+                          <a:schemeClr val="tx1"/>
+                        </a:solidFill>
+                        <a:effectLst/>
+                        <a:uLnTx/>
+                        <a:uFillTx/>
+                        <a:latin typeface="+mn-lt"/>
+                        <a:ea typeface="+mn-ea"/>
+                        <a:cs typeface="+mn-cs"/>
+                      </a:endParaRPr>
                     </a:p>
                   </a:txBody>
                   <a:tcPr marL="72000" marR="72000" marT="46800" marB="46800" anchor="ctr" horzOverflow="overflow">
@@ -13747,14 +13651,14 @@
           <p:nvPr>
             <p:extLst>
               <p:ext uri="{D42A27DB-BD31-4B8C-83A1-F6EECF244321}">
-                <p14:modId xmlns:p14="http://schemas.microsoft.com/office/powerpoint/2010/main" val="2221786558"/>
+                <p14:modId xmlns:p14="http://schemas.microsoft.com/office/powerpoint/2010/main" val="2652081392"/>
               </p:ext>
             </p:extLst>
           </p:nvPr>
         </p:nvGraphicFramePr>
         <p:xfrm>
           <a:off x="360894" y="929968"/>
-          <a:ext cx="6837886" cy="7883120"/>
+          <a:ext cx="6790215" cy="7883120"/>
         </p:xfrm>
         <a:graphic>
           <a:graphicData uri="http://schemas.openxmlformats.org/drawingml/2006/table">
@@ -13763,7 +13667,7 @@
                 <a:tableStyleId>{5C22544A-7EE6-4342-B048-85BDC9FD1C3A}</a:tableStyleId>
               </a:tblPr>
               <a:tblGrid>
-                <a:gridCol w="2126026">
+                <a:gridCol w="2078355">
                   <a:extLst>
                     <a:ext uri="{9D8B030D-6E8A-4147-A177-3AD203B41FA5}">
                       <a16:colId xmlns:a16="http://schemas.microsoft.com/office/drawing/2014/main" val="404097337"/>
@@ -14978,144 +14882,22 @@
                           <a:ea typeface="+mn-ea"/>
                           <a:cs typeface="+mn-cs"/>
                         </a:rPr>
-                        <a:t>&lt;SJR1M&gt; entre &lt;NOMSOUSJACENT&gt; </a:t>
+                        <a:t>&lt;BLOCDIVIDENDE3&gt;</a:t>
                       </a:r>
-                      <a:r>
-                        <a:rPr kumimoji="0" lang="fr-FR" sz="700" b="0" i="0" u="none" strike="noStrike" kern="1200" cap="none" spc="0" normalizeH="0" baseline="0" noProof="0" dirty="0">
-                          <a:ln>
-                            <a:noFill/>
-                          </a:ln>
-                          <a:solidFill>
-                            <a:schemeClr val="tx1"/>
-                          </a:solidFill>
-                          <a:effectLst/>
-                          <a:uLnTx/>
-                          <a:uFillTx/>
-                          <a:latin typeface="Proxima Nova Rg" panose="02000506030000020004" pitchFamily="2" charset="0"/>
-                          <a:ea typeface="+mn-ea"/>
-                          <a:cs typeface="+mn-cs"/>
-                        </a:rPr>
-                        <a:t>(</a:t>
-                      </a:r>
-                      <a:r>
-                        <a:rPr kumimoji="0" lang="fr-FR" sz="700" b="1" i="0" u="none" strike="noStrike" kern="1200" cap="none" spc="0" normalizeH="0" baseline="0" noProof="0" dirty="0">
-                          <a:ln>
-                            <a:noFill/>
-                          </a:ln>
-                          <a:solidFill>
-                            <a:schemeClr val="tx1"/>
-                          </a:solidFill>
-                          <a:effectLst/>
-                          <a:uLnTx/>
-                          <a:uFillTx/>
-                          <a:latin typeface="Proxima Nova Rg" panose="02000506030000020004" pitchFamily="2" charset="0"/>
-                          <a:ea typeface="+mn-ea"/>
-                          <a:cs typeface="+mn-cs"/>
-                        </a:rPr>
-                        <a:t>&lt;DIVIDENDE&gt; </a:t>
-                      </a:r>
-                      <a:r>
-                        <a:rPr kumimoji="0" lang="fr-FR" sz="700" b="0" i="0" u="none" strike="noStrike" kern="1200" cap="none" spc="0" normalizeH="0" baseline="0" noProof="0" dirty="0">
-                          <a:ln>
-                            <a:noFill/>
-                          </a:ln>
-                          <a:solidFill>
-                            <a:schemeClr val="tx1"/>
-                          </a:solidFill>
-                          <a:effectLst/>
-                          <a:uLnTx/>
-                          <a:uFillTx/>
-                          <a:latin typeface="Proxima Nova Rg" panose="02000506030000020004" pitchFamily="2" charset="0"/>
-                          <a:ea typeface="+mn-ea"/>
-                          <a:cs typeface="+mn-cs"/>
-                        </a:rPr>
-                        <a:t>; code Bloomberg : &lt;TICKER&gt; </a:t>
-                      </a:r>
-                      <a:r>
-                        <a:rPr kumimoji="0" lang="fr-FR" sz="700" b="0" i="0" u="none" strike="noStrike" kern="1200" cap="none" spc="0" normalizeH="0" baseline="0" noProof="0">
-                          <a:ln>
-                            <a:noFill/>
-                          </a:ln>
-                          <a:solidFill>
-                            <a:schemeClr val="tx1"/>
-                          </a:solidFill>
-                          <a:effectLst/>
-                          <a:uLnTx/>
-                          <a:uFillTx/>
-                          <a:latin typeface="Proxima Nova Rg" panose="02000506030000020004" pitchFamily="2" charset="0"/>
-                          <a:ea typeface="+mn-ea"/>
-                          <a:cs typeface="+mn-cs"/>
-                        </a:rPr>
-                        <a:t>; &lt;sponsor&gt; </a:t>
-                      </a:r>
-                      <a:r>
-                        <a:rPr kumimoji="0" lang="fr-FR" sz="700" b="0" i="0" u="none" strike="noStrike" kern="1200" cap="none" spc="0" normalizeH="0" baseline="0" noProof="0" dirty="0">
-                          <a:ln>
-                            <a:noFill/>
-                          </a:ln>
-                          <a:solidFill>
-                            <a:schemeClr val="tx1"/>
-                          </a:solidFill>
-                          <a:effectLst/>
-                          <a:uLnTx/>
-                          <a:uFillTx/>
-                          <a:latin typeface="Proxima Nova Rg" panose="02000506030000020004" pitchFamily="2" charset="0"/>
-                          <a:ea typeface="+mn-ea"/>
-                          <a:cs typeface="+mn-cs"/>
-                        </a:rPr>
-                        <a:t>: &lt;SPONSOR&gt; ; </a:t>
-                      </a:r>
-                      <a:r>
-                        <a:rPr kumimoji="0" lang="fr-FR" sz="700" b="0" i="0" u="sng" strike="noStrike" kern="1200" cap="none" spc="0" normalizeH="0" baseline="0" noProof="0" dirty="0">
-                          <a:ln>
-                            <a:noFill/>
-                          </a:ln>
-                          <a:solidFill>
-                            <a:srgbClr val="B9A049"/>
-                          </a:solidFill>
-                          <a:effectLst/>
-                          <a:uLnTx/>
-                          <a:uFillTx/>
-                          <a:latin typeface="Proxima Nova Rg" panose="02000506030000020004" pitchFamily="2" charset="0"/>
-                          <a:ea typeface="+mn-ea"/>
-                          <a:cs typeface="+mn-cs"/>
-                        </a:rPr>
-                        <a:t>&lt;SITE&gt;</a:t>
-                      </a:r>
-                      <a:r>
-                        <a:rPr kumimoji="0" lang="fr-FR" sz="700" b="0" i="0" u="none" strike="noStrike" kern="1200" cap="none" spc="0" normalizeH="0" baseline="0" noProof="0" dirty="0">
-                          <a:ln>
-                            <a:noFill/>
-                          </a:ln>
-                          <a:solidFill>
-                            <a:schemeClr val="tx1"/>
-                          </a:solidFill>
-                          <a:effectLst/>
-                          <a:uLnTx/>
-                          <a:uFillTx/>
-                          <a:latin typeface="Proxima Nova Rg" panose="02000506030000020004" pitchFamily="2" charset="0"/>
-                          <a:ea typeface="+mn-ea"/>
-                          <a:cs typeface="+mn-cs"/>
-                        </a:rPr>
-                        <a:t>)</a:t>
-                      </a:r>
-                      <a:r>
-                        <a:rPr kumimoji="0" lang="fr-FR" sz="700" b="0" i="0" u="none" strike="noStrike" kern="1200" cap="none" spc="0" normalizeH="0" baseline="0" noProof="0" dirty="0">
-                          <a:ln>
-                            <a:noFill/>
-                          </a:ln>
-                          <a:solidFill>
-                            <a:schemeClr val="tx1"/>
-                          </a:solidFill>
-                          <a:effectLst/>
-                          <a:uLnTx/>
-                          <a:uFillTx/>
-                          <a:latin typeface="+mn-lt"/>
-                          <a:ea typeface="+mn-ea"/>
-                          <a:cs typeface="+mn-cs"/>
-                        </a:rPr>
-                        <a:t>.</a:t>
-                      </a:r>
+                      <a:endParaRPr kumimoji="0" lang="fr-FR" sz="700" b="0" i="0" u="none" strike="noStrike" kern="1200" cap="none" spc="0" normalizeH="0" baseline="0" noProof="0" dirty="0">
+                        <a:ln>
+                          <a:noFill/>
+                        </a:ln>
+                        <a:solidFill>
+                          <a:schemeClr val="tx1"/>
+                        </a:solidFill>
+                        <a:effectLst/>
+                        <a:uLnTx/>
+                        <a:uFillTx/>
+                        <a:latin typeface="+mn-lt"/>
+                        <a:ea typeface="+mn-ea"/>
+                        <a:cs typeface="+mn-cs"/>
+                      </a:endParaRPr>
                     </a:p>
                   </a:txBody>
                   <a:tcPr marL="72000" marR="72000" marT="46800" marB="46800" anchor="ctr" horzOverflow="overflow">
@@ -15290,7 +15072,7 @@
                         <a:tabLst/>
                       </a:pPr>
                       <a:r>
-                        <a:rPr lang="fr-FR" sz="700" b="0" i="0" kern="1200">
+                        <a:rPr lang="fr-FR" sz="700" b="0" i="0" kern="1200" dirty="0">
                           <a:solidFill>
                             <a:schemeClr val="tx1"/>
                           </a:solidFill>
@@ -21759,7 +21541,7 @@
         <p:spPr>
           <a:xfrm>
             <a:off x="458462" y="974579"/>
-            <a:ext cx="6741374" cy="3513782"/>
+            <a:ext cx="6741374" cy="3624582"/>
           </a:xfrm>
           <a:prstGeom prst="rect">
             <a:avLst/>
@@ -21966,7 +21748,58 @@
                 <a:ea typeface="+mn-ea"/>
                 <a:cs typeface="+mn-cs"/>
               </a:rPr>
-              <a:t>Les termes « capital » et « capital initial » utilisés dans cette brochure désignent la valeur nominale des titres de créance « &lt;NOM&gt; » soit 1 000 EUR. Le montant remboursé est brut, hors frais et fiscalité applicable au cadre d’investissement. Le taux de rendement annuel est net de frais de gestion pour les contrats d’assurance vie/capitalisation (en prenant comme hypothèse un taux de frais de gestion de </a:t>
+              <a:t>Les termes « capital » et « capital initial » utilisés dans cette brochure désignent la valeur nominale des titres de créance « &lt;NOM&gt; » soit </a:t>
+            </a:r>
+            <a:r>
+              <a:rPr kumimoji="0" lang="fr-FR" sz="800" b="0" i="0" u="none" strike="noStrike" kern="1200" cap="none" spc="300" normalizeH="0" baseline="0" noProof="0" dirty="0">
+                <a:ln>
+                  <a:noFill/>
+                </a:ln>
+                <a:solidFill>
+                  <a:schemeClr val="tx1"/>
+                </a:solidFill>
+                <a:effectLst/>
+                <a:uLnTx/>
+                <a:uFillTx/>
+                <a:latin typeface="Proxima Nova Rg"/>
+                <a:ea typeface="+mn-ea"/>
+                <a:cs typeface="+mn-cs"/>
+              </a:rPr>
+              <a:t>1</a:t>
+            </a:r>
+            <a:r>
+              <a:rPr kumimoji="0" lang="fr-FR" sz="800" b="0" i="0" u="none" strike="noStrike" kern="1200" cap="none" normalizeH="0" baseline="0" noProof="0" dirty="0">
+                <a:ln>
+                  <a:noFill/>
+                </a:ln>
+                <a:solidFill>
+                  <a:schemeClr val="tx1"/>
+                </a:solidFill>
+                <a:effectLst/>
+                <a:uLnTx/>
+                <a:uFillTx/>
+                <a:latin typeface="Proxima Nova Rg"/>
+                <a:ea typeface="+mn-ea"/>
+                <a:cs typeface="+mn-cs"/>
+              </a:rPr>
+              <a:t>000</a:t>
+            </a:r>
+            <a:r>
+              <a:rPr kumimoji="0" lang="fr-FR" sz="800" b="0" i="0" u="none" strike="noStrike" kern="1200" cap="none" spc="0" normalizeH="0" baseline="0" noProof="0" dirty="0">
+                <a:ln>
+                  <a:noFill/>
+                </a:ln>
+                <a:solidFill>
+                  <a:schemeClr val="tx1"/>
+                </a:solidFill>
+                <a:effectLst/>
+                <a:uLnTx/>
+                <a:uFillTx/>
+                <a:latin typeface="Proxima Nova Rg"/>
+                <a:ea typeface="+mn-ea"/>
+                <a:cs typeface="+mn-cs"/>
+              </a:rPr>
+              <a:t> EUR. Le montant remboursé est brut, hors frais et fiscalité applicable au cadre d’investissement. Le taux de rendement annuel est net de frais de gestion pour les contrats d’assurance vie/capitalisation (en prenant comme hypothèse un taux de frais de gestion de </a:t>
             </a:r>
             <a:r>
               <a:rPr kumimoji="0" lang="fr-FR" sz="800" b="0" i="0" u="none" strike="noStrike" kern="1200" cap="none" spc="-40" normalizeH="0" baseline="0" noProof="0" dirty="0">
@@ -22605,24 +22438,10 @@
                 <a:ea typeface="+mn-ea"/>
                 <a:cs typeface="+mn-cs"/>
               </a:rPr>
-              <a:t>ou égal à &lt;ABAC&gt;  </a:t>
-            </a:r>
-            <a:r>
-              <a:rPr kumimoji="0" lang="fr-FR" sz="800" b="0" i="0" u="none" strike="noStrike" kern="1200" cap="none" spc="0" normalizeH="0" baseline="0" noProof="0">
-                <a:ln>
-                  <a:noFill/>
-                </a:ln>
-                <a:effectLst/>
-                <a:uLnTx/>
-                <a:uFillTx/>
-                <a:latin typeface="Proxima Nova Rg"/>
-                <a:ea typeface="+mn-ea"/>
-                <a:cs typeface="+mn-cs"/>
-              </a:rPr>
-              <a:t>&lt;balisedeg1&gt;</a:t>
-            </a:r>
-            <a:r>
-              <a:rPr kumimoji="0" lang="fr-FR" sz="800" b="0" i="0" u="none" strike="noStrike" kern="1200" cap="none" spc="0" normalizeH="0" baseline="0" noProof="0">
+              <a:t>ou égal à &lt;ABAC&gt;  &lt;balisedeg1&gt;</a:t>
+            </a:r>
+            <a:r>
+              <a:rPr kumimoji="0" lang="fr-FR" sz="800" b="0" i="0" u="none" strike="noStrike" kern="1200" cap="none" spc="0" normalizeH="0" baseline="0" noProof="0" dirty="0">
                 <a:ln>
                   <a:noFill/>
                 </a:ln>
@@ -22635,17 +22454,6 @@
               </a:rPr>
               <a:t>.</a:t>
             </a:r>
-            <a:endParaRPr kumimoji="0" lang="fr-FR" sz="800" b="0" i="0" u="none" strike="noStrike" kern="1200" cap="none" spc="0" normalizeH="0" baseline="0" noProof="0" dirty="0">
-              <a:ln>
-                <a:noFill/>
-              </a:ln>
-              <a:effectLst/>
-              <a:uLnTx/>
-              <a:uFillTx/>
-              <a:latin typeface="Proxima Nova Rg" panose="02000506030000020004" pitchFamily="2" charset="0"/>
-              <a:ea typeface="+mn-ea"/>
-              <a:cs typeface="+mn-cs"/>
-            </a:endParaRPr>
           </a:p>
           <a:p>
             <a:pPr marL="0" marR="0" lvl="2" indent="0" algn="just" defTabSz="755934" rtl="0" eaLnBrk="1" fontAlgn="auto" latinLnBrk="0" hangingPunct="1">
@@ -32526,7 +32334,23 @@
                   <a:srgbClr val="000000"/>
                 </a:solidFill>
               </a:rPr>
-              <a:t>&lt;PERIODE_DE_REMBOURSEMENT&gt;, si à l’une des dates de constatation &lt;F1&gt; correspondantes</a:t>
+              <a:t>&lt;PERIODE_DE</a:t>
+            </a:r>
+            <a:r>
+              <a:rPr lang="fr-FR" sz="800">
+                <a:solidFill>
+                  <a:srgbClr val="000000"/>
+                </a:solidFill>
+              </a:rPr>
+              <a:t>_REMBOURSEMENT_MAJ&gt;, </a:t>
+            </a:r>
+            <a:r>
+              <a:rPr lang="fr-FR" sz="800" dirty="0">
+                <a:solidFill>
+                  <a:srgbClr val="000000"/>
+                </a:solidFill>
+              </a:rPr>
+              <a:t>si à l’une des dates de constatation &lt;F1&gt; correspondantes</a:t>
             </a:r>
             <a:r>
               <a:rPr lang="fr-FR" sz="800" baseline="30000" dirty="0">

--- a/Templates/BNP Paribas.pptx
+++ b/Templates/BNP Paribas.pptx
@@ -230,7 +230,7 @@
           <a:p>
             <a:fld id="{515CCE07-1711-4DC7-A7D8-7ED312C82FB8}" type="datetimeFigureOut">
               <a:rPr lang="fr-FR" smtClean="0"/>
-              <a:t>27/07/2022</a:t>
+              <a:t>28/07/2022</a:t>
             </a:fld>
             <a:endParaRPr lang="fr-FR"/>
           </a:p>
@@ -395,7 +395,7 @@
           <a:p>
             <a:fld id="{014ABEAC-8B63-4BD1-9569-A14EB8752A94}" type="datetimeFigureOut">
               <a:rPr lang="fr-FR" smtClean="0"/>
-              <a:t>27/07/2022</a:t>
+              <a:t>28/07/2022</a:t>
             </a:fld>
             <a:endParaRPr lang="fr-FR"/>
           </a:p>
@@ -6636,7 +6636,7 @@
           <p:nvPr>
             <p:extLst>
               <p:ext uri="{D42A27DB-BD31-4B8C-83A1-F6EECF244321}">
-                <p14:modId xmlns:p14="http://schemas.microsoft.com/office/powerpoint/2010/main" val="3492653006"/>
+                <p14:modId xmlns:p14="http://schemas.microsoft.com/office/powerpoint/2010/main" val="2290533740"/>
               </p:ext>
             </p:extLst>
           </p:nvPr>
@@ -13651,7 +13651,7 @@
           <p:nvPr>
             <p:extLst>
               <p:ext uri="{D42A27DB-BD31-4B8C-83A1-F6EECF244321}">
-                <p14:modId xmlns:p14="http://schemas.microsoft.com/office/powerpoint/2010/main" val="2652081392"/>
+                <p14:modId xmlns:p14="http://schemas.microsoft.com/office/powerpoint/2010/main" val="1603065375"/>
               </p:ext>
             </p:extLst>
           </p:nvPr>
@@ -17351,7 +17351,7 @@
                         <a:defRPr/>
                       </a:pPr>
                       <a:r>
-                        <a:rPr lang="fr-FR" sz="700" b="0" i="0" kern="1200" dirty="0">
+                        <a:rPr lang="fr-FR" sz="700" b="0" i="0" kern="1200">
                           <a:solidFill>
                             <a:schemeClr val="tx1"/>
                           </a:solidFill>
@@ -17361,6 +17361,14 @@
                         </a:rPr>
                         <a:t>&lt;Datespaiement1&gt;</a:t>
                       </a:r>
+                      <a:endParaRPr lang="fr-FR" sz="700" b="0" i="0" kern="1200" dirty="0">
+                        <a:solidFill>
+                          <a:schemeClr val="tx1"/>
+                        </a:solidFill>
+                        <a:latin typeface="+mn-lt"/>
+                        <a:ea typeface="+mn-ea"/>
+                        <a:cs typeface="+mn-cs"/>
+                      </a:endParaRPr>
                     </a:p>
                   </a:txBody>
                   <a:tcPr marL="72000" marR="72000" marT="46800" marB="46800" anchor="ctr" horzOverflow="overflow">
@@ -36989,6 +36997,27 @@
 </file>
 
 <file path=customXml/item1.xml><?xml version="1.0" encoding="utf-8"?>
+<p:properties xmlns:p="http://schemas.microsoft.com/office/2006/metadata/properties" xmlns:xsi="http://www.w3.org/2001/XMLSchema-instance" xmlns:pc="http://schemas.microsoft.com/office/infopath/2007/PartnerControls">
+  <documentManagement>
+    <_Flow_SignoffStatus xmlns="ef624bc2-1644-4d69-8362-5c28ca496374" xsi:nil="true"/>
+    <TaxCatchAll xmlns="514a554b-82b0-4359-b247-fc84018a95f0" xsi:nil="true"/>
+    <lcf76f155ced4ddcb4097134ff3c332f xmlns="ef624bc2-1644-4d69-8362-5c28ca496374">
+      <Terms xmlns="http://schemas.microsoft.com/office/infopath/2007/PartnerControls"/>
+    </lcf76f155ced4ddcb4097134ff3c332f>
+  </documentManagement>
+</p:properties>
+</file>
+
+<file path=customXml/item2.xml><?xml version="1.0" encoding="utf-8"?>
+<?mso-contentType ?>
+<FormTemplates xmlns="http://schemas.microsoft.com/sharepoint/v3/contenttype/forms">
+  <Display>DocumentLibraryForm</Display>
+  <Edit>DocumentLibraryForm</Edit>
+  <New>DocumentLibraryForm</New>
+</FormTemplates>
+</file>
+
+<file path=customXml/item3.xml><?xml version="1.0" encoding="utf-8"?>
 <ct:contentTypeSchema xmlns:ct="http://schemas.microsoft.com/office/2006/metadata/contentType" xmlns:ma="http://schemas.microsoft.com/office/2006/metadata/properties/metaAttributes" ct:_="" ma:_="" ma:contentTypeName="Document" ma:contentTypeID="0x0101005DDE610BC516E448BB8152259F39635A" ma:contentTypeVersion="17" ma:contentTypeDescription="Crée un document." ma:contentTypeScope="" ma:versionID="bfb75e103009df80b8e5001438c41194">
   <xsd:schema xmlns:xsd="http://www.w3.org/2001/XMLSchema" xmlns:xs="http://www.w3.org/2001/XMLSchema" xmlns:p="http://schemas.microsoft.com/office/2006/metadata/properties" xmlns:ns2="ef624bc2-1644-4d69-8362-5c28ca496374" xmlns:ns3="514a554b-82b0-4359-b247-fc84018a95f0" targetNamespace="http://schemas.microsoft.com/office/2006/metadata/properties" ma:root="true" ma:fieldsID="2ae3df86d13efbb4a35042af2564d386" ns2:_="" ns3:_="">
     <xsd:import namespace="ef624bc2-1644-4d69-8362-5c28ca496374"/>
@@ -37237,28 +37266,32 @@
 </ct:contentTypeSchema>
 </file>
 
-<file path=customXml/item2.xml><?xml version="1.0" encoding="utf-8"?>
-<?mso-contentType ?>
-<FormTemplates xmlns="http://schemas.microsoft.com/sharepoint/v3/contenttype/forms">
-  <Display>DocumentLibraryForm</Display>
-  <Edit>DocumentLibraryForm</Edit>
-  <New>DocumentLibraryForm</New>
-</FormTemplates>
+<file path=customXml/itemProps1.xml><?xml version="1.0" encoding="utf-8"?>
+<ds:datastoreItem xmlns:ds="http://schemas.openxmlformats.org/officeDocument/2006/customXml" ds:itemID="{25DE574B-2CD2-4078-9BEA-2A14717D9698}">
+  <ds:schemaRefs>
+    <ds:schemaRef ds:uri="http://purl.org/dc/terms/"/>
+    <ds:schemaRef ds:uri="514a554b-82b0-4359-b247-fc84018a95f0"/>
+    <ds:schemaRef ds:uri="http://schemas.openxmlformats.org/package/2006/metadata/core-properties"/>
+    <ds:schemaRef ds:uri="http://purl.org/dc/elements/1.1/"/>
+    <ds:schemaRef ds:uri="http://schemas.microsoft.com/office/infopath/2007/PartnerControls"/>
+    <ds:schemaRef ds:uri="http://schemas.microsoft.com/office/2006/documentManagement/types"/>
+    <ds:schemaRef ds:uri="ef624bc2-1644-4d69-8362-5c28ca496374"/>
+    <ds:schemaRef ds:uri="http://schemas.microsoft.com/office/2006/metadata/properties"/>
+    <ds:schemaRef ds:uri="http://www.w3.org/XML/1998/namespace"/>
+    <ds:schemaRef ds:uri="http://purl.org/dc/dcmitype/"/>
+  </ds:schemaRefs>
+</ds:datastoreItem>
 </file>
 
-<file path=customXml/item3.xml><?xml version="1.0" encoding="utf-8"?>
-<p:properties xmlns:p="http://schemas.microsoft.com/office/2006/metadata/properties" xmlns:xsi="http://www.w3.org/2001/XMLSchema-instance" xmlns:pc="http://schemas.microsoft.com/office/infopath/2007/PartnerControls">
-  <documentManagement>
-    <_Flow_SignoffStatus xmlns="ef624bc2-1644-4d69-8362-5c28ca496374" xsi:nil="true"/>
-    <TaxCatchAll xmlns="514a554b-82b0-4359-b247-fc84018a95f0" xsi:nil="true"/>
-    <lcf76f155ced4ddcb4097134ff3c332f xmlns="ef624bc2-1644-4d69-8362-5c28ca496374">
-      <Terms xmlns="http://schemas.microsoft.com/office/infopath/2007/PartnerControls"/>
-    </lcf76f155ced4ddcb4097134ff3c332f>
-  </documentManagement>
-</p:properties>
+<file path=customXml/itemProps2.xml><?xml version="1.0" encoding="utf-8"?>
+<ds:datastoreItem xmlns:ds="http://schemas.openxmlformats.org/officeDocument/2006/customXml" ds:itemID="{B00FC41E-FBDE-42E2-B58A-20EBD240A376}">
+  <ds:schemaRefs>
+    <ds:schemaRef ds:uri="http://schemas.microsoft.com/sharepoint/v3/contenttype/forms"/>
+  </ds:schemaRefs>
+</ds:datastoreItem>
 </file>
 
-<file path=customXml/itemProps1.xml><?xml version="1.0" encoding="utf-8"?>
+<file path=customXml/itemProps3.xml><?xml version="1.0" encoding="utf-8"?>
 <ds:datastoreItem xmlns:ds="http://schemas.openxmlformats.org/officeDocument/2006/customXml" ds:itemID="{049ECCCF-890C-4C54-BAB4-06AB610C1865}">
   <ds:schemaRefs>
     <ds:schemaRef ds:uri="http://schemas.microsoft.com/office/2006/metadata/contentType"/>
@@ -37275,29 +37308,4 @@
     <ds:schemaRef ds:uri="http://schemas.microsoft.com/internal/obd"/>
   </ds:schemaRefs>
 </ds:datastoreItem>
-</file>
-
-<file path=customXml/itemProps2.xml><?xml version="1.0" encoding="utf-8"?>
-<ds:datastoreItem xmlns:ds="http://schemas.openxmlformats.org/officeDocument/2006/customXml" ds:itemID="{B00FC41E-FBDE-42E2-B58A-20EBD240A376}">
-  <ds:schemaRefs>
-    <ds:schemaRef ds:uri="http://schemas.microsoft.com/sharepoint/v3/contenttype/forms"/>
-  </ds:schemaRefs>
-</ds:datastoreItem>
-</file>
-
-<file path=customXml/itemProps3.xml><?xml version="1.0" encoding="utf-8"?>
-<ds:datastoreItem xmlns:ds="http://schemas.openxmlformats.org/officeDocument/2006/customXml" ds:itemID="{25DE574B-2CD2-4078-9BEA-2A14717D9698}">
-  <ds:schemaRefs>
-    <ds:schemaRef ds:uri="http://purl.org/dc/terms/"/>
-    <ds:schemaRef ds:uri="514a554b-82b0-4359-b247-fc84018a95f0"/>
-    <ds:schemaRef ds:uri="http://schemas.openxmlformats.org/package/2006/metadata/core-properties"/>
-    <ds:schemaRef ds:uri="http://purl.org/dc/elements/1.1/"/>
-    <ds:schemaRef ds:uri="http://schemas.microsoft.com/office/infopath/2007/PartnerControls"/>
-    <ds:schemaRef ds:uri="http://schemas.microsoft.com/office/2006/documentManagement/types"/>
-    <ds:schemaRef ds:uri="ef624bc2-1644-4d69-8362-5c28ca496374"/>
-    <ds:schemaRef ds:uri="http://schemas.microsoft.com/office/2006/metadata/properties"/>
-    <ds:schemaRef ds:uri="http://www.w3.org/XML/1998/namespace"/>
-    <ds:schemaRef ds:uri="http://purl.org/dc/dcmitype/"/>
-  </ds:schemaRefs>
-</ds:datastoreItem>
 </file>
--- a/Templates/BNP Paribas.pptx
+++ b/Templates/BNP Paribas.pptx
@@ -230,7 +230,7 @@
           <a:p>
             <a:fld id="{515CCE07-1711-4DC7-A7D8-7ED312C82FB8}" type="datetimeFigureOut">
               <a:rPr lang="fr-FR" smtClean="0"/>
-              <a:t>28/07/2022</a:t>
+              <a:t>29/07/2022</a:t>
             </a:fld>
             <a:endParaRPr lang="fr-FR"/>
           </a:p>
@@ -395,7 +395,7 @@
           <a:p>
             <a:fld id="{014ABEAC-8B63-4BD1-9569-A14EB8752A94}" type="datetimeFigureOut">
               <a:rPr lang="fr-FR" smtClean="0"/>
-              <a:t>28/07/2022</a:t>
+              <a:t>29/07/2022</a:t>
             </a:fld>
             <a:endParaRPr lang="fr-FR"/>
           </a:p>
@@ -13651,13 +13651,13 @@
           <p:nvPr>
             <p:extLst>
               <p:ext uri="{D42A27DB-BD31-4B8C-83A1-F6EECF244321}">
-                <p14:modId xmlns:p14="http://schemas.microsoft.com/office/powerpoint/2010/main" val="1603065375"/>
+                <p14:modId xmlns:p14="http://schemas.microsoft.com/office/powerpoint/2010/main" val="1876302224"/>
               </p:ext>
             </p:extLst>
           </p:nvPr>
         </p:nvGraphicFramePr>
         <p:xfrm>
-          <a:off x="360894" y="929968"/>
+          <a:off x="361950" y="920005"/>
           <a:ext cx="6790215" cy="7883120"/>
         </p:xfrm>
         <a:graphic>
@@ -13667,14 +13667,14 @@
                 <a:tableStyleId>{5C22544A-7EE6-4342-B048-85BDC9FD1C3A}</a:tableStyleId>
               </a:tblPr>
               <a:tblGrid>
-                <a:gridCol w="2078355">
+                <a:gridCol w="2114550">
                   <a:extLst>
                     <a:ext uri="{9D8B030D-6E8A-4147-A177-3AD203B41FA5}">
                       <a16:colId xmlns:a16="http://schemas.microsoft.com/office/drawing/2014/main" val="404097337"/>
                     </a:ext>
                   </a:extLst>
                 </a:gridCol>
-                <a:gridCol w="4711860">
+                <a:gridCol w="4675665">
                   <a:extLst>
                     <a:ext uri="{9D8B030D-6E8A-4147-A177-3AD203B41FA5}">
                       <a16:colId xmlns:a16="http://schemas.microsoft.com/office/drawing/2014/main" val="3064900403"/>
@@ -13875,7 +13875,7 @@
                           <a:solidFill>
                             <a:srgbClr val="B9A049"/>
                           </a:solidFill>
-                          <a:latin typeface="+mn-lt"/>
+                          <a:latin typeface="Proxima Nova Rg" panose="02000506030000020004" pitchFamily="2" charset="0"/>
                           <a:ea typeface="+mn-ea"/>
                           <a:cs typeface="+mn-cs"/>
                         </a:rPr>
@@ -13948,49 +13948,49 @@
                         </a:lnSpc>
                       </a:pPr>
                       <a:r>
-                        <a:rPr lang="fr-FR" sz="700" b="1" i="0" dirty="0">
+                        <a:rPr lang="fr-FR" sz="700" b="1" i="0" u="none" dirty="0">
                           <a:solidFill>
                             <a:schemeClr val="tx1"/>
                           </a:solidFill>
-                          <a:latin typeface="+mn-lt"/>
+                          <a:latin typeface="Proxima Nova Rg" panose="02000506030000020004" pitchFamily="2" charset="0"/>
                         </a:rPr>
                         <a:t>EMTN (Euro Medium </a:t>
                       </a:r>
                       <a:r>
-                        <a:rPr lang="fr-FR" sz="700" b="1" i="0" dirty="0" err="1">
+                        <a:rPr lang="fr-FR" sz="700" b="1" i="0" u="none" dirty="0" err="1">
                           <a:solidFill>
                             <a:schemeClr val="tx1"/>
                           </a:solidFill>
-                          <a:latin typeface="+mn-lt"/>
+                          <a:latin typeface="Proxima Nova Rg" panose="02000506030000020004" pitchFamily="2" charset="0"/>
                         </a:rPr>
                         <a:t>Term</a:t>
                       </a:r>
                       <a:r>
-                        <a:rPr lang="fr-FR" sz="700" b="1" i="0" dirty="0">
+                        <a:rPr lang="fr-FR" sz="700" b="1" i="0" u="none" dirty="0">
                           <a:solidFill>
                             <a:schemeClr val="tx1"/>
                           </a:solidFill>
-                          <a:latin typeface="+mn-lt"/>
+                          <a:latin typeface="Proxima Nova Rg" panose="02000506030000020004" pitchFamily="2" charset="0"/>
                         </a:rPr>
                         <a:t> Note), Titre de créance de droit français présentant un risque de perte en capital en cours de vie et à l’échéance. </a:t>
                       </a:r>
                       <a:r>
-                        <a:rPr lang="fr-FR" sz="700" b="1" i="0" kern="1200" dirty="0">
+                        <a:rPr lang="fr-FR" sz="700" b="1" i="0" u="none" kern="1200" dirty="0">
                           <a:solidFill>
                             <a:schemeClr val="tx1"/>
                           </a:solidFill>
-                          <a:latin typeface="+mn-lt"/>
+                          <a:latin typeface="Proxima Nova Rg" panose="02000506030000020004" pitchFamily="2" charset="0"/>
                           <a:ea typeface="+mn-ea"/>
                           <a:cs typeface="+mn-cs"/>
                         </a:rPr>
                         <a:t>Bien que la formule de remboursement et le paiement des sommes dues par l’Émetteur au titre du produit soient garanties par </a:t>
                       </a:r>
                       <a:r>
-                        <a:rPr lang="fr-FR" sz="700" b="1" i="0" kern="1200" noProof="0" dirty="0">
+                        <a:rPr lang="fr-FR" sz="700" b="1" i="0" u="none" kern="1200" noProof="0" dirty="0">
                           <a:solidFill>
                             <a:schemeClr val="tx1"/>
                           </a:solidFill>
-                          <a:latin typeface="+mn-lt"/>
+                          <a:latin typeface="Proxima Nova Rg" panose="02000506030000020004" pitchFamily="2" charset="0"/>
                           <a:ea typeface="+mn-ea"/>
                           <a:cs typeface="+mn-cs"/>
                         </a:rPr>
@@ -14007,29 +14007,29 @@
                           <a:effectLst/>
                           <a:uLnTx/>
                           <a:uFillTx/>
-                          <a:latin typeface="+mn-lt"/>
+                          <a:latin typeface="Proxima Nova Rg" panose="02000506030000020004" pitchFamily="2" charset="0"/>
                           <a:ea typeface="+mn-ea"/>
                           <a:cs typeface="+mn-cs"/>
                         </a:rPr>
                         <a:t>(1)</a:t>
                       </a:r>
                       <a:r>
-                        <a:rPr lang="fr-FR" sz="700" b="1" i="0" kern="1200" dirty="0">
+                        <a:rPr lang="fr-FR" sz="700" b="1" i="0" u="none" kern="1200" dirty="0">
                           <a:solidFill>
                             <a:schemeClr val="tx1"/>
                           </a:solidFill>
-                          <a:latin typeface="+mn-lt"/>
+                          <a:latin typeface="Proxima Nova Rg" panose="02000506030000020004" pitchFamily="2" charset="0"/>
                           <a:ea typeface="+mn-ea"/>
                           <a:cs typeface="+mn-cs"/>
                         </a:rPr>
                         <a:t>, le </a:t>
                       </a:r>
                       <a:r>
-                        <a:rPr lang="fr-FR" sz="700" b="1" i="0" dirty="0">
+                        <a:rPr lang="fr-FR" sz="700" b="1" i="0" u="none" dirty="0">
                           <a:solidFill>
                             <a:schemeClr val="tx1"/>
                           </a:solidFill>
-                          <a:latin typeface="+mn-lt"/>
+                          <a:latin typeface="Proxima Nova Rg" panose="02000506030000020004" pitchFamily="2" charset="0"/>
                         </a:rPr>
                         <a:t>produit présente un risque de perte en capital à hauteur de l’intégralité de la baisse enregistrée par &lt;SJR1&gt;.</a:t>
                       </a:r>
@@ -14123,7 +14123,7 @@
                           <a:solidFill>
                             <a:srgbClr val="B9A049"/>
                           </a:solidFill>
-                          <a:latin typeface="+mn-lt"/>
+                          <a:latin typeface="Proxima Nova Rg" panose="02000506030000020004" pitchFamily="2" charset="0"/>
                           <a:ea typeface="+mn-ea"/>
                           <a:cs typeface="+mn-cs"/>
                         </a:rPr>
@@ -14218,7 +14218,7 @@
                           <a:effectLst/>
                           <a:uLnTx/>
                           <a:uFillTx/>
-                          <a:latin typeface="+mn-lt"/>
+                          <a:latin typeface="Proxima Nova Rg" panose="02000506030000020004" pitchFamily="2" charset="0"/>
                           <a:ea typeface="+mn-ea"/>
                           <a:cs typeface="+mn-cs"/>
                         </a:rPr>
@@ -14235,7 +14235,7 @@
                           <a:effectLst/>
                           <a:uLnTx/>
                           <a:uFillTx/>
-                          <a:latin typeface="+mn-lt"/>
+                          <a:latin typeface="Proxima Nova Rg" panose="02000506030000020004" pitchFamily="2" charset="0"/>
                           <a:ea typeface="+mn-ea"/>
                           <a:cs typeface="+mn-cs"/>
                         </a:rPr>
@@ -14252,18 +14252,18 @@
                           <a:effectLst/>
                           <a:uLnTx/>
                           <a:uFillTx/>
-                          <a:latin typeface="+mn-lt"/>
+                          <a:latin typeface="Proxima Nova Rg" panose="02000506030000020004" pitchFamily="2" charset="0"/>
                           <a:ea typeface="+mn-ea"/>
                           <a:cs typeface="+mn-cs"/>
                         </a:rPr>
                         <a:t> B.V.</a:t>
                       </a:r>
                       <a:r>
-                        <a:rPr lang="fr-FR" sz="700" kern="1200" baseline="30000" dirty="0">
+                        <a:rPr lang="fr-FR" sz="700" b="0" i="0" u="none" kern="1200" baseline="30000" dirty="0">
                           <a:solidFill>
                             <a:schemeClr val="tx1"/>
                           </a:solidFill>
-                          <a:latin typeface="+mn-lt"/>
+                          <a:latin typeface="Proxima Nova Rg" panose="02000506030000020004" pitchFamily="2" charset="0"/>
                           <a:ea typeface="+mn-ea"/>
                           <a:cs typeface="+mn-cs"/>
                         </a:rPr>
@@ -14280,7 +14280,7 @@
                           <a:effectLst/>
                           <a:uLnTx/>
                           <a:uFillTx/>
-                          <a:latin typeface="+mn-lt"/>
+                          <a:latin typeface="Proxima Nova Rg" panose="02000506030000020004" pitchFamily="2" charset="0"/>
                           <a:ea typeface="+mn-ea"/>
                           <a:cs typeface="+mn-cs"/>
                         </a:rPr>
@@ -14296,7 +14296,7 @@
                         <a:effectLst/>
                         <a:uLnTx/>
                         <a:uFillTx/>
-                        <a:latin typeface="+mn-lt"/>
+                        <a:latin typeface="Proxima Nova Rg" panose="02000506030000020004" pitchFamily="2" charset="0"/>
                         <a:ea typeface="+mn-ea"/>
                         <a:cs typeface="+mn-cs"/>
                       </a:endParaRPr>
@@ -14390,7 +14390,7 @@
                           <a:solidFill>
                             <a:srgbClr val="B9A049"/>
                           </a:solidFill>
-                          <a:latin typeface="+mn-lt"/>
+                          <a:latin typeface="Proxima Nova Rg" panose="02000506030000020004" pitchFamily="2" charset="0"/>
                           <a:ea typeface="+mn-ea"/>
                           <a:cs typeface="+mn-cs"/>
                         </a:rPr>
@@ -14485,7 +14485,7 @@
                           <a:effectLst/>
                           <a:uLnTx/>
                           <a:uFillTx/>
-                          <a:latin typeface="+mn-lt"/>
+                          <a:latin typeface="Proxima Nova Rg" panose="02000506030000020004" pitchFamily="2" charset="0"/>
                           <a:ea typeface="+mn-ea"/>
                           <a:cs typeface="+mn-cs"/>
                         </a:rPr>
@@ -14502,7 +14502,7 @@
                           <a:effectLst/>
                           <a:uLnTx/>
                           <a:uFillTx/>
-                          <a:latin typeface="+mn-lt"/>
+                          <a:latin typeface="Proxima Nova Rg" panose="02000506030000020004" pitchFamily="2" charset="0"/>
                           <a:ea typeface="+mn-ea"/>
                           <a:cs typeface="+mn-cs"/>
                         </a:rPr>
@@ -14598,7 +14598,7 @@
                           <a:solidFill>
                             <a:srgbClr val="B9A049"/>
                           </a:solidFill>
-                          <a:latin typeface="+mn-lt"/>
+                          <a:latin typeface="Proxima Nova Rg" panose="02000506030000020004" pitchFamily="2" charset="0"/>
                           <a:ea typeface="+mn-ea"/>
                           <a:cs typeface="+mn-cs"/>
                         </a:rPr>
@@ -14683,11 +14683,11 @@
                         <a:defRPr/>
                       </a:pPr>
                       <a:r>
-                        <a:rPr lang="fr-FR" sz="700" b="0" i="0" kern="1200" noProof="0" dirty="0">
+                        <a:rPr lang="fr-FR" sz="700" b="0" i="0" u="none" kern="1200" noProof="0" dirty="0">
                           <a:solidFill>
                             <a:schemeClr val="tx1"/>
                           </a:solidFill>
-                          <a:latin typeface="+mn-lt"/>
+                          <a:latin typeface="Proxima Nova Rg" panose="02000506030000020004" pitchFamily="2" charset="0"/>
                           <a:ea typeface="+mn-ea"/>
                           <a:cs typeface="+mn-cs"/>
                         </a:rPr>
@@ -14783,7 +14783,7 @@
                           <a:solidFill>
                             <a:srgbClr val="B9A049"/>
                           </a:solidFill>
-                          <a:latin typeface="+mn-lt"/>
+                          <a:latin typeface="Proxima Nova Rg" panose="02000506030000020004" pitchFamily="2" charset="0"/>
                           <a:ea typeface="+mn-ea"/>
                           <a:cs typeface="+mn-cs"/>
                         </a:rPr>
@@ -14878,7 +14878,7 @@
                           <a:effectLst/>
                           <a:uLnTx/>
                           <a:uFillTx/>
-                          <a:latin typeface="+mn-lt"/>
+                          <a:latin typeface="Proxima Nova Rg" panose="02000506030000020004" pitchFamily="2" charset="0"/>
                           <a:ea typeface="+mn-ea"/>
                           <a:cs typeface="+mn-cs"/>
                         </a:rPr>
@@ -14894,7 +14894,7 @@
                         <a:effectLst/>
                         <a:uLnTx/>
                         <a:uFillTx/>
-                        <a:latin typeface="+mn-lt"/>
+                        <a:latin typeface="Proxima Nova Rg" panose="02000506030000020004" pitchFamily="2" charset="0"/>
                         <a:ea typeface="+mn-ea"/>
                         <a:cs typeface="+mn-cs"/>
                       </a:endParaRPr>
@@ -14988,7 +14988,7 @@
                           <a:solidFill>
                             <a:srgbClr val="B9A049"/>
                           </a:solidFill>
-                          <a:latin typeface="+mn-lt"/>
+                          <a:latin typeface="Proxima Nova Rg" panose="02000506030000020004" pitchFamily="2" charset="0"/>
                           <a:ea typeface="+mn-ea"/>
                           <a:cs typeface="+mn-cs"/>
                         </a:rPr>
@@ -15076,7 +15076,7 @@
                           <a:solidFill>
                             <a:schemeClr val="tx1"/>
                           </a:solidFill>
-                          <a:latin typeface="+mn-lt"/>
+                          <a:latin typeface="Proxima Nova Rg" panose="02000506030000020004" pitchFamily="2" charset="0"/>
                           <a:ea typeface="+mn-ea"/>
                           <a:cs typeface="+mn-cs"/>
                         </a:rPr>
@@ -15172,7 +15172,7 @@
                           <a:solidFill>
                             <a:srgbClr val="B9A049"/>
                           </a:solidFill>
-                          <a:latin typeface="+mn-lt"/>
+                          <a:latin typeface="Proxima Nova Rg" panose="02000506030000020004" pitchFamily="2" charset="0"/>
                           <a:ea typeface="+mn-ea"/>
                           <a:cs typeface="+mn-cs"/>
                         </a:rPr>
@@ -15260,7 +15260,7 @@
                           <a:solidFill>
                             <a:schemeClr val="tx1"/>
                           </a:solidFill>
-                          <a:latin typeface="+mn-lt"/>
+                          <a:latin typeface="Proxima Nova Rg" panose="02000506030000020004" pitchFamily="2" charset="0"/>
                           <a:ea typeface="+mn-ea"/>
                           <a:cs typeface="+mn-cs"/>
                         </a:rPr>
@@ -15356,7 +15356,7 @@
                           <a:solidFill>
                             <a:srgbClr val="B9A049"/>
                           </a:solidFill>
-                          <a:latin typeface="+mn-lt"/>
+                          <a:latin typeface="Proxima Nova Rg" panose="02000506030000020004" pitchFamily="2" charset="0"/>
                           <a:ea typeface="+mn-ea"/>
                           <a:cs typeface="+mn-cs"/>
                         </a:rPr>
@@ -15444,7 +15444,7 @@
                           <a:solidFill>
                             <a:schemeClr val="tx1"/>
                           </a:solidFill>
-                          <a:latin typeface="+mn-lt"/>
+                          <a:latin typeface="Proxima Nova Rg" panose="02000506030000020004" pitchFamily="2" charset="0"/>
                           <a:ea typeface="+mn-ea"/>
                           <a:cs typeface="+mn-cs"/>
                         </a:rPr>
@@ -15540,7 +15540,7 @@
                           <a:solidFill>
                             <a:srgbClr val="B9A049"/>
                           </a:solidFill>
-                          <a:latin typeface="+mn-lt"/>
+                          <a:latin typeface="Proxima Nova Rg" panose="02000506030000020004" pitchFamily="2" charset="0"/>
                           <a:ea typeface="+mn-ea"/>
                           <a:cs typeface="+mn-cs"/>
                         </a:rPr>
@@ -15624,11 +15624,11 @@
                         <a:tabLst/>
                       </a:pPr>
                       <a:r>
-                        <a:rPr lang="fr-FR" sz="700" b="0" i="0" kern="1200">
+                        <a:rPr lang="fr-FR" sz="700" b="0" i="0" kern="1200" dirty="0">
                           <a:solidFill>
                             <a:schemeClr val="tx1"/>
                           </a:solidFill>
-                          <a:latin typeface="+mn-lt"/>
+                          <a:latin typeface="Proxima Nova Rg" panose="02000506030000020004" pitchFamily="2" charset="0"/>
                           <a:ea typeface="+mn-ea"/>
                           <a:cs typeface="+mn-cs"/>
                         </a:rPr>
@@ -15724,7 +15724,7 @@
                           <a:solidFill>
                             <a:srgbClr val="B9A049"/>
                           </a:solidFill>
-                          <a:latin typeface="+mn-lt"/>
+                          <a:latin typeface="Proxima Nova Rg" panose="02000506030000020004" pitchFamily="2" charset="0"/>
                           <a:ea typeface="+mn-ea"/>
                           <a:cs typeface="+mn-cs"/>
                         </a:rPr>
@@ -15808,48 +15808,15 @@
                         <a:tabLst/>
                       </a:pPr>
                       <a:r>
-                        <a:rPr lang="fr-FR" sz="700" b="0" i="0" kern="1200">
-                          <a:solidFill>
-                            <a:schemeClr val="tx1"/>
-                          </a:solidFill>
-                          <a:latin typeface="+mn-lt"/>
-                          <a:ea typeface="+mn-ea"/>
-                          <a:cs typeface="+mn-cs"/>
-                        </a:rPr>
-                        <a:t>&lt;</a:t>
-                      </a:r>
-                      <a:r>
                         <a:rPr lang="fr-FR" sz="700" b="0" i="0" kern="1200" dirty="0">
                           <a:solidFill>
                             <a:schemeClr val="tx1"/>
                           </a:solidFill>
-                          <a:latin typeface="+mn-lt"/>
+                          <a:latin typeface="Proxima Nova Rg" panose="02000506030000020004" pitchFamily="2" charset="0"/>
                           <a:ea typeface="+mn-ea"/>
                           <a:cs typeface="+mn-cs"/>
                         </a:rPr>
-                        <a:t>é</a:t>
-                      </a:r>
-                      <a:r>
-                        <a:rPr lang="fr-FR" sz="700" b="0" i="0" kern="1200">
-                          <a:solidFill>
-                            <a:schemeClr val="tx1"/>
-                          </a:solidFill>
-                          <a:latin typeface="+mn-lt"/>
-                          <a:ea typeface="+mn-ea"/>
-                          <a:cs typeface="+mn-cs"/>
-                        </a:rPr>
-                        <a:t>mission</a:t>
-                      </a:r>
-                      <a:r>
-                        <a:rPr lang="fr-FR" sz="700" b="0" i="0" kern="1200" dirty="0">
-                          <a:solidFill>
-                            <a:schemeClr val="tx1"/>
-                          </a:solidFill>
-                          <a:latin typeface="+mn-lt"/>
-                          <a:ea typeface="+mn-ea"/>
-                          <a:cs typeface="+mn-cs"/>
-                        </a:rPr>
-                        <a:t>&gt;</a:t>
+                        <a:t>&lt;émission&gt;</a:t>
                       </a:r>
                     </a:p>
                   </a:txBody>
@@ -15941,7 +15908,7 @@
                           <a:solidFill>
                             <a:srgbClr val="B9A049"/>
                           </a:solidFill>
-                          <a:latin typeface="+mn-lt"/>
+                          <a:latin typeface="Proxima Nova Rg" panose="02000506030000020004" pitchFamily="2" charset="0"/>
                           <a:ea typeface="+mn-ea"/>
                           <a:cs typeface="+mn-cs"/>
                         </a:rPr>
@@ -16029,7 +15996,7 @@
                           <a:solidFill>
                             <a:schemeClr val="tx1"/>
                           </a:solidFill>
-                          <a:latin typeface="+mn-lt"/>
+                          <a:latin typeface="Proxima Nova Rg" panose="02000506030000020004" pitchFamily="2" charset="0"/>
                           <a:ea typeface="+mn-ea"/>
                           <a:cs typeface="+mn-cs"/>
                         </a:rPr>
@@ -16125,7 +16092,7 @@
                           <a:solidFill>
                             <a:srgbClr val="B9A049"/>
                           </a:solidFill>
-                          <a:latin typeface="+mn-lt"/>
+                          <a:latin typeface="Proxima Nova Rg" panose="02000506030000020004" pitchFamily="2" charset="0"/>
                           <a:ea typeface="+mn-ea"/>
                           <a:cs typeface="+mn-cs"/>
                         </a:rPr>
@@ -16213,7 +16180,7 @@
                           <a:solidFill>
                             <a:schemeClr val="tx1"/>
                           </a:solidFill>
-                          <a:latin typeface="+mn-lt"/>
+                          <a:latin typeface="Proxima Nova Rg" panose="02000506030000020004" pitchFamily="2" charset="0"/>
                           <a:ea typeface="+mn-ea"/>
                           <a:cs typeface="+mn-cs"/>
                         </a:rPr>
@@ -16224,7 +16191,7 @@
                           <a:solidFill>
                             <a:schemeClr val="tx1"/>
                           </a:solidFill>
-                          <a:latin typeface="+mn-lt"/>
+                          <a:latin typeface="Proxima Nova Rg" panose="02000506030000020004" pitchFamily="2" charset="0"/>
                           <a:ea typeface="+mn-ea"/>
                           <a:cs typeface="+mn-cs"/>
                         </a:rPr>
@@ -16320,7 +16287,7 @@
                           <a:solidFill>
                             <a:srgbClr val="B9A049"/>
                           </a:solidFill>
-                          <a:latin typeface="+mn-lt"/>
+                          <a:latin typeface="Proxima Nova Rg" panose="02000506030000020004" pitchFamily="2" charset="0"/>
                           <a:ea typeface="+mn-ea"/>
                           <a:cs typeface="+mn-cs"/>
                         </a:rPr>
@@ -16409,7 +16376,7 @@
                           <a:solidFill>
                             <a:schemeClr val="tx1"/>
                           </a:solidFill>
-                          <a:latin typeface="+mn-lt"/>
+                          <a:latin typeface="Proxima Nova Rg" panose="02000506030000020004" pitchFamily="2" charset="0"/>
                           <a:ea typeface="+mn-ea"/>
                           <a:cs typeface="+mn-cs"/>
                         </a:rPr>
@@ -16505,7 +16472,7 @@
                           <a:solidFill>
                             <a:srgbClr val="B9A049"/>
                           </a:solidFill>
-                          <a:latin typeface="+mn-lt"/>
+                          <a:latin typeface="Proxima Nova Rg" panose="02000506030000020004" pitchFamily="2" charset="0"/>
                           <a:ea typeface="+mn-ea"/>
                           <a:cs typeface="+mn-cs"/>
                         </a:rPr>
@@ -16594,7 +16561,7 @@
                           <a:solidFill>
                             <a:schemeClr val="tx1"/>
                           </a:solidFill>
-                          <a:latin typeface="+mn-lt"/>
+                          <a:latin typeface="Proxima Nova Rg" panose="02000506030000020004" pitchFamily="2" charset="0"/>
                           <a:ea typeface="+mn-ea"/>
                           <a:cs typeface="+mn-cs"/>
                         </a:rPr>
@@ -16690,7 +16657,7 @@
                           <a:solidFill>
                             <a:srgbClr val="B9A049"/>
                           </a:solidFill>
-                          <a:latin typeface="+mn-lt"/>
+                          <a:latin typeface="Proxima Nova Rg" panose="02000506030000020004" pitchFamily="2" charset="0"/>
                           <a:ea typeface="+mn-ea"/>
                           <a:cs typeface="+mn-cs"/>
                         </a:rPr>
@@ -16779,7 +16746,7 @@
                           <a:solidFill>
                             <a:schemeClr val="tx1"/>
                           </a:solidFill>
-                          <a:latin typeface="+mn-lt"/>
+                          <a:latin typeface="Proxima Nova Rg" panose="02000506030000020004" pitchFamily="2" charset="0"/>
                           <a:ea typeface="+mn-ea"/>
                           <a:cs typeface="+mn-cs"/>
                         </a:rPr>
@@ -16875,7 +16842,7 @@
                           <a:solidFill>
                             <a:srgbClr val="B9A049"/>
                           </a:solidFill>
-                          <a:latin typeface="+mn-lt"/>
+                          <a:latin typeface="Proxima Nova Rg" panose="02000506030000020004" pitchFamily="2" charset="0"/>
                           <a:ea typeface="+mn-ea"/>
                           <a:cs typeface="+mn-cs"/>
                         </a:rPr>
@@ -16963,7 +16930,7 @@
                           <a:solidFill>
                             <a:schemeClr val="tx1"/>
                           </a:solidFill>
-                          <a:latin typeface="+mn-lt"/>
+                          <a:latin typeface="Proxima Nova Rg" panose="02000506030000020004" pitchFamily="2" charset="0"/>
                           <a:ea typeface="+mn-ea"/>
                           <a:cs typeface="+mn-cs"/>
                         </a:rPr>
@@ -17059,7 +17026,7 @@
                           <a:solidFill>
                             <a:srgbClr val="B9A049"/>
                           </a:solidFill>
-                          <a:latin typeface="+mn-lt"/>
+                          <a:latin typeface="Proxima Nova Rg" panose="02000506030000020004" pitchFamily="2" charset="0"/>
                           <a:ea typeface="+mn-ea"/>
                           <a:cs typeface="+mn-cs"/>
                         </a:rPr>
@@ -17148,7 +17115,7 @@
                           <a:solidFill>
                             <a:schemeClr val="tx1"/>
                           </a:solidFill>
-                          <a:latin typeface="+mn-lt"/>
+                          <a:latin typeface="Proxima Nova Rg" panose="02000506030000020004" pitchFamily="2" charset="0"/>
                           <a:ea typeface="+mn-ea"/>
                           <a:cs typeface="+mn-cs"/>
                         </a:rPr>
@@ -17159,7 +17126,7 @@
                           <a:solidFill>
                             <a:schemeClr val="tx1"/>
                           </a:solidFill>
-                          <a:latin typeface="+mn-lt"/>
+                          <a:latin typeface="Proxima Nova Rg" panose="02000506030000020004" pitchFamily="2" charset="0"/>
                           <a:ea typeface="+mn-ea"/>
                           <a:cs typeface="+mn-cs"/>
                         </a:rPr>
@@ -17170,7 +17137,7 @@
                           <a:solidFill>
                             <a:schemeClr val="tx1"/>
                           </a:solidFill>
-                          <a:latin typeface="+mn-lt"/>
+                          <a:latin typeface="Proxima Nova Rg" panose="02000506030000020004" pitchFamily="2" charset="0"/>
                           <a:ea typeface="+mn-ea"/>
                           <a:cs typeface="+mn-cs"/>
                         </a:rPr>
@@ -17266,7 +17233,7 @@
                           <a:solidFill>
                             <a:srgbClr val="B9A049"/>
                           </a:solidFill>
-                          <a:latin typeface="+mn-lt"/>
+                          <a:latin typeface="Proxima Nova Rg" panose="02000506030000020004" pitchFamily="2" charset="0"/>
                           <a:ea typeface="+mn-ea"/>
                           <a:cs typeface="+mn-cs"/>
                         </a:rPr>
@@ -17351,24 +17318,16 @@
                         <a:defRPr/>
                       </a:pPr>
                       <a:r>
-                        <a:rPr lang="fr-FR" sz="700" b="0" i="0" kern="1200">
+                        <a:rPr lang="fr-FR" sz="700" b="0" i="0" kern="1200" dirty="0">
                           <a:solidFill>
                             <a:schemeClr val="tx1"/>
                           </a:solidFill>
-                          <a:latin typeface="+mn-lt"/>
+                          <a:latin typeface="Proxima Nova Rg" panose="02000506030000020004" pitchFamily="2" charset="0"/>
                           <a:ea typeface="+mn-ea"/>
                           <a:cs typeface="+mn-cs"/>
                         </a:rPr>
                         <a:t>&lt;Datespaiement1&gt;</a:t>
                       </a:r>
-                      <a:endParaRPr lang="fr-FR" sz="700" b="0" i="0" kern="1200" dirty="0">
-                        <a:solidFill>
-                          <a:schemeClr val="tx1"/>
-                        </a:solidFill>
-                        <a:latin typeface="+mn-lt"/>
-                        <a:ea typeface="+mn-ea"/>
-                        <a:cs typeface="+mn-cs"/>
-                      </a:endParaRPr>
                     </a:p>
                   </a:txBody>
                   <a:tcPr marL="72000" marR="72000" marT="46800" marB="46800" anchor="ctr" horzOverflow="overflow">
@@ -17459,7 +17418,7 @@
                           <a:solidFill>
                             <a:srgbClr val="B9A049"/>
                           </a:solidFill>
-                          <a:latin typeface="+mn-lt"/>
+                          <a:latin typeface="Proxima Nova Rg" panose="02000506030000020004" pitchFamily="2" charset="0"/>
                           <a:ea typeface="+mn-ea"/>
                           <a:cs typeface="+mn-cs"/>
                         </a:rPr>
@@ -17548,7 +17507,7 @@
                           <a:solidFill>
                             <a:schemeClr val="tx1"/>
                           </a:solidFill>
-                          <a:latin typeface="+mn-lt"/>
+                          <a:latin typeface="Proxima Nova Rg" panose="02000506030000020004" pitchFamily="2" charset="0"/>
                           <a:ea typeface="+mn-ea"/>
                           <a:cs typeface="+mn-cs"/>
                         </a:rPr>
@@ -17644,7 +17603,7 @@
                           <a:solidFill>
                             <a:srgbClr val="B9A049"/>
                           </a:solidFill>
-                          <a:latin typeface="+mn-lt"/>
+                          <a:latin typeface="Proxima Nova Rg" panose="02000506030000020004" pitchFamily="2" charset="0"/>
                           <a:ea typeface="+mn-ea"/>
                           <a:cs typeface="+mn-cs"/>
                         </a:rPr>
@@ -17733,7 +17692,7 @@
                           <a:solidFill>
                             <a:schemeClr val="tx1"/>
                           </a:solidFill>
-                          <a:latin typeface="+mn-lt"/>
+                          <a:latin typeface="Proxima Nova Rg" panose="02000506030000020004" pitchFamily="2" charset="0"/>
                           <a:ea typeface="+mn-ea"/>
                           <a:cs typeface="+mn-cs"/>
                         </a:rPr>
@@ -17829,7 +17788,7 @@
                           <a:solidFill>
                             <a:srgbClr val="B9A049"/>
                           </a:solidFill>
-                          <a:latin typeface="+mn-lt"/>
+                          <a:latin typeface="Proxima Nova Rg" panose="02000506030000020004" pitchFamily="2" charset="0"/>
                           <a:ea typeface="+mn-ea"/>
                           <a:cs typeface="+mn-cs"/>
                         </a:rPr>
@@ -17918,7 +17877,7 @@
                           <a:solidFill>
                             <a:schemeClr val="tx1"/>
                           </a:solidFill>
-                          <a:latin typeface="+mn-lt"/>
+                          <a:latin typeface="Proxima Nova Rg" panose="02000506030000020004" pitchFamily="2" charset="0"/>
                           <a:ea typeface="+mn-ea"/>
                           <a:cs typeface="+mn-cs"/>
                         </a:rPr>
@@ -18014,7 +17973,7 @@
                           <a:solidFill>
                             <a:srgbClr val="B9A049"/>
                           </a:solidFill>
-                          <a:latin typeface="+mn-lt"/>
+                          <a:latin typeface="Proxima Nova Rg" panose="02000506030000020004" pitchFamily="2" charset="0"/>
                           <a:ea typeface="+mn-ea"/>
                           <a:cs typeface="+mn-cs"/>
                         </a:rPr>
@@ -18103,7 +18062,7 @@
                           <a:solidFill>
                             <a:schemeClr val="tx1"/>
                           </a:solidFill>
-                          <a:latin typeface="+mn-lt"/>
+                          <a:latin typeface="Proxima Nova Rg" panose="02000506030000020004" pitchFamily="2" charset="0"/>
                           <a:ea typeface="+mn-ea"/>
                           <a:cs typeface="+mn-cs"/>
                         </a:rPr>
@@ -18199,7 +18158,7 @@
                           <a:solidFill>
                             <a:srgbClr val="B9A049"/>
                           </a:solidFill>
-                          <a:latin typeface="+mn-lt"/>
+                          <a:latin typeface="Proxima Nova Rg" panose="02000506030000020004" pitchFamily="2" charset="0"/>
                           <a:ea typeface="+mn-ea"/>
                           <a:cs typeface="+mn-cs"/>
                         </a:rPr>
@@ -18288,7 +18247,7 @@
                           <a:solidFill>
                             <a:schemeClr val="tx1"/>
                           </a:solidFill>
-                          <a:latin typeface="+mn-lt"/>
+                          <a:latin typeface="Proxima Nova Rg" panose="02000506030000020004" pitchFamily="2" charset="0"/>
                           <a:ea typeface="+mn-ea"/>
                           <a:cs typeface="+mn-cs"/>
                         </a:rPr>
@@ -18384,7 +18343,7 @@
                           <a:solidFill>
                             <a:srgbClr val="B9A049"/>
                           </a:solidFill>
-                          <a:latin typeface="+mn-lt"/>
+                          <a:latin typeface="Proxima Nova Rg" panose="02000506030000020004" pitchFamily="2" charset="0"/>
                           <a:ea typeface="+mn-ea"/>
                           <a:cs typeface="+mn-cs"/>
                         </a:rPr>
@@ -18472,7 +18431,7 @@
                           <a:solidFill>
                             <a:schemeClr val="tx1"/>
                           </a:solidFill>
-                          <a:latin typeface="+mn-lt"/>
+                          <a:latin typeface="Proxima Nova Rg" panose="02000506030000020004" pitchFamily="2" charset="0"/>
                           <a:ea typeface="+mn-ea"/>
                           <a:cs typeface="+mn-cs"/>
                         </a:rPr>
@@ -18568,7 +18527,7 @@
                           <a:solidFill>
                             <a:srgbClr val="B9A049"/>
                           </a:solidFill>
-                          <a:latin typeface="+mn-lt"/>
+                          <a:latin typeface="Proxima Nova Rg" panose="02000506030000020004" pitchFamily="2" charset="0"/>
                           <a:ea typeface="+mn-ea"/>
                           <a:cs typeface="+mn-cs"/>
                         </a:rPr>
@@ -18652,11 +18611,11 @@
                         <a:tabLst/>
                       </a:pPr>
                       <a:r>
-                        <a:rPr lang="fr-FR" sz="700" b="0" i="0" kern="1200">
+                        <a:rPr lang="fr-FR" sz="700" b="0" i="0" kern="1200" dirty="0">
                           <a:solidFill>
                             <a:schemeClr val="tx1"/>
                           </a:solidFill>
-                          <a:latin typeface="+mn-lt"/>
+                          <a:latin typeface="Proxima Nova Rg" panose="02000506030000020004" pitchFamily="2" charset="0"/>
                           <a:ea typeface="+mn-ea"/>
                           <a:cs typeface="+mn-cs"/>
                         </a:rPr>
@@ -18752,7 +18711,7 @@
                           <a:solidFill>
                             <a:srgbClr val="B9A049"/>
                           </a:solidFill>
-                          <a:latin typeface="+mn-lt"/>
+                          <a:latin typeface="Proxima Nova Rg" panose="02000506030000020004" pitchFamily="2" charset="0"/>
                           <a:ea typeface="+mn-ea"/>
                           <a:cs typeface="+mn-cs"/>
                         </a:rPr>
@@ -18841,7 +18800,7 @@
                           <a:solidFill>
                             <a:schemeClr val="tx1"/>
                           </a:solidFill>
-                          <a:latin typeface="+mn-lt"/>
+                          <a:latin typeface="Proxima Nova Rg" panose="02000506030000020004" pitchFamily="2" charset="0"/>
                           <a:ea typeface="+mn-ea"/>
                           <a:cs typeface="+mn-cs"/>
                         </a:rPr>
@@ -18937,7 +18896,7 @@
                           <a:solidFill>
                             <a:srgbClr val="B9A049"/>
                           </a:solidFill>
-                          <a:latin typeface="+mn-lt"/>
+                          <a:latin typeface="Proxima Nova Rg" panose="02000506030000020004" pitchFamily="2" charset="0"/>
                           <a:ea typeface="+mn-ea"/>
                           <a:cs typeface="+mn-cs"/>
                         </a:rPr>
@@ -19026,7 +18985,7 @@
                           <a:solidFill>
                             <a:schemeClr val="tx1"/>
                           </a:solidFill>
-                          <a:latin typeface="+mn-lt"/>
+                          <a:latin typeface="Proxima Nova Rg" panose="02000506030000020004" pitchFamily="2" charset="0"/>
                           <a:ea typeface="+mn-ea"/>
                           <a:cs typeface="+mn-cs"/>
                         </a:rPr>
@@ -19122,7 +19081,7 @@
                           <a:solidFill>
                             <a:srgbClr val="B9A049"/>
                           </a:solidFill>
-                          <a:latin typeface="+mn-lt"/>
+                          <a:latin typeface="Proxima Nova Rg" panose="02000506030000020004" pitchFamily="2" charset="0"/>
                           <a:ea typeface="+mn-ea"/>
                           <a:cs typeface="+mn-cs"/>
                         </a:rPr>
@@ -19211,7 +19170,7 @@
                           <a:solidFill>
                             <a:schemeClr val="tx1"/>
                           </a:solidFill>
-                          <a:latin typeface="+mn-lt"/>
+                          <a:latin typeface="Proxima Nova Rg" panose="02000506030000020004" pitchFamily="2" charset="0"/>
                           <a:ea typeface="+mn-ea"/>
                           <a:cs typeface="+mn-cs"/>
                         </a:rPr>
@@ -19307,7 +19266,7 @@
                           <a:solidFill>
                             <a:srgbClr val="B9A049"/>
                           </a:solidFill>
-                          <a:latin typeface="+mn-lt"/>
+                          <a:latin typeface="Proxima Nova Rg" panose="02000506030000020004" pitchFamily="2" charset="0"/>
                           <a:ea typeface="+mn-ea"/>
                           <a:cs typeface="+mn-cs"/>
                         </a:rPr>
@@ -19396,7 +19355,7 @@
                           <a:solidFill>
                             <a:schemeClr val="tx1"/>
                           </a:solidFill>
-                          <a:latin typeface="+mn-lt"/>
+                          <a:latin typeface="Proxima Nova Rg" panose="02000506030000020004" pitchFamily="2" charset="0"/>
                           <a:ea typeface="+mn-ea"/>
                           <a:cs typeface="+mn-cs"/>
                         </a:rPr>
@@ -19407,7 +19366,7 @@
                           <a:solidFill>
                             <a:schemeClr val="tx1"/>
                           </a:solidFill>
-                          <a:latin typeface="+mn-lt"/>
+                          <a:latin typeface="Proxima Nova Rg" panose="02000506030000020004" pitchFamily="2" charset="0"/>
                           <a:ea typeface="+mn-ea"/>
                           <a:cs typeface="+mn-cs"/>
                         </a:rPr>
@@ -19418,7 +19377,7 @@
                           <a:solidFill>
                             <a:schemeClr val="tx1"/>
                           </a:solidFill>
-                          <a:latin typeface="+mn-lt"/>
+                          <a:latin typeface="Proxima Nova Rg" panose="02000506030000020004" pitchFamily="2" charset="0"/>
                           <a:ea typeface="+mn-ea"/>
                           <a:cs typeface="+mn-cs"/>
                         </a:rPr>
@@ -19514,7 +19473,7 @@
                           <a:solidFill>
                             <a:srgbClr val="B9A049"/>
                           </a:solidFill>
-                          <a:latin typeface="+mn-lt"/>
+                          <a:latin typeface="Proxima Nova Rg" panose="02000506030000020004" pitchFamily="2" charset="0"/>
                           <a:ea typeface="+mn-ea"/>
                           <a:cs typeface="+mn-cs"/>
                         </a:rPr>
@@ -19603,7 +19562,7 @@
                           <a:solidFill>
                             <a:schemeClr val="tx1"/>
                           </a:solidFill>
-                          <a:latin typeface="+mn-lt"/>
+                          <a:latin typeface="Proxima Nova Rg" panose="02000506030000020004" pitchFamily="2" charset="0"/>
                           <a:ea typeface="+mn-ea"/>
                           <a:cs typeface="+mn-cs"/>
                         </a:rPr>
@@ -19699,7 +19658,7 @@
                           <a:solidFill>
                             <a:srgbClr val="B9A049"/>
                           </a:solidFill>
-                          <a:latin typeface="+mn-lt"/>
+                          <a:latin typeface="Proxima Nova Rg" panose="02000506030000020004" pitchFamily="2" charset="0"/>
                           <a:ea typeface="+mn-ea"/>
                           <a:cs typeface="+mn-cs"/>
                         </a:rPr>
@@ -19788,7 +19747,7 @@
                           <a:solidFill>
                             <a:schemeClr val="tx1"/>
                           </a:solidFill>
-                          <a:latin typeface="+mn-lt"/>
+                          <a:latin typeface="Proxima Nova Rg" panose="02000506030000020004" pitchFamily="2" charset="0"/>
                           <a:ea typeface="+mn-ea"/>
                           <a:cs typeface="+mn-cs"/>
                         </a:rPr>
@@ -19872,7 +19831,7 @@
                           <a:solidFill>
                             <a:srgbClr val="B9A049"/>
                           </a:solidFill>
-                          <a:latin typeface="+mn-lt"/>
+                          <a:latin typeface="Proxima Nova Rg" panose="02000506030000020004" pitchFamily="2" charset="0"/>
                           <a:ea typeface="+mn-ea"/>
                           <a:cs typeface="+mn-cs"/>
                         </a:rPr>
@@ -19961,7 +19920,7 @@
                           <a:solidFill>
                             <a:schemeClr val="tx1"/>
                           </a:solidFill>
-                          <a:latin typeface="+mn-lt"/>
+                          <a:latin typeface="Proxima Nova Rg" panose="02000506030000020004" pitchFamily="2" charset="0"/>
                           <a:ea typeface="+mn-ea"/>
                           <a:cs typeface="+mn-cs"/>
                         </a:rPr>
@@ -20056,7 +20015,7 @@
                           <a:solidFill>
                             <a:srgbClr val="B9A049"/>
                           </a:solidFill>
-                          <a:latin typeface="+mn-lt"/>
+                          <a:latin typeface="Proxima Nova Rg" panose="02000506030000020004" pitchFamily="2" charset="0"/>
                           <a:ea typeface="+mn-ea"/>
                           <a:cs typeface="+mn-cs"/>
                         </a:rPr>
@@ -20140,7 +20099,7 @@
                           <a:solidFill>
                             <a:schemeClr val="tx1"/>
                           </a:solidFill>
-                          <a:latin typeface="+mn-lt"/>
+                          <a:latin typeface="Proxima Nova Rg" panose="02000506030000020004" pitchFamily="2" charset="0"/>
                           <a:ea typeface="+mn-ea"/>
                           <a:cs typeface="+mn-cs"/>
                         </a:rPr>
@@ -36997,27 +36956,6 @@
 </file>
 
 <file path=customXml/item1.xml><?xml version="1.0" encoding="utf-8"?>
-<p:properties xmlns:p="http://schemas.microsoft.com/office/2006/metadata/properties" xmlns:xsi="http://www.w3.org/2001/XMLSchema-instance" xmlns:pc="http://schemas.microsoft.com/office/infopath/2007/PartnerControls">
-  <documentManagement>
-    <_Flow_SignoffStatus xmlns="ef624bc2-1644-4d69-8362-5c28ca496374" xsi:nil="true"/>
-    <TaxCatchAll xmlns="514a554b-82b0-4359-b247-fc84018a95f0" xsi:nil="true"/>
-    <lcf76f155ced4ddcb4097134ff3c332f xmlns="ef624bc2-1644-4d69-8362-5c28ca496374">
-      <Terms xmlns="http://schemas.microsoft.com/office/infopath/2007/PartnerControls"/>
-    </lcf76f155ced4ddcb4097134ff3c332f>
-  </documentManagement>
-</p:properties>
-</file>
-
-<file path=customXml/item2.xml><?xml version="1.0" encoding="utf-8"?>
-<?mso-contentType ?>
-<FormTemplates xmlns="http://schemas.microsoft.com/sharepoint/v3/contenttype/forms">
-  <Display>DocumentLibraryForm</Display>
-  <Edit>DocumentLibraryForm</Edit>
-  <New>DocumentLibraryForm</New>
-</FormTemplates>
-</file>
-
-<file path=customXml/item3.xml><?xml version="1.0" encoding="utf-8"?>
 <ct:contentTypeSchema xmlns:ct="http://schemas.microsoft.com/office/2006/metadata/contentType" xmlns:ma="http://schemas.microsoft.com/office/2006/metadata/properties/metaAttributes" ct:_="" ma:_="" ma:contentTypeName="Document" ma:contentTypeID="0x0101005DDE610BC516E448BB8152259F39635A" ma:contentTypeVersion="17" ma:contentTypeDescription="Crée un document." ma:contentTypeScope="" ma:versionID="bfb75e103009df80b8e5001438c41194">
   <xsd:schema xmlns:xsd="http://www.w3.org/2001/XMLSchema" xmlns:xs="http://www.w3.org/2001/XMLSchema" xmlns:p="http://schemas.microsoft.com/office/2006/metadata/properties" xmlns:ns2="ef624bc2-1644-4d69-8362-5c28ca496374" xmlns:ns3="514a554b-82b0-4359-b247-fc84018a95f0" targetNamespace="http://schemas.microsoft.com/office/2006/metadata/properties" ma:root="true" ma:fieldsID="2ae3df86d13efbb4a35042af2564d386" ns2:_="" ns3:_="">
     <xsd:import namespace="ef624bc2-1644-4d69-8362-5c28ca496374"/>
@@ -37266,32 +37204,28 @@
 </ct:contentTypeSchema>
 </file>
 
-<file path=customXml/itemProps1.xml><?xml version="1.0" encoding="utf-8"?>
-<ds:datastoreItem xmlns:ds="http://schemas.openxmlformats.org/officeDocument/2006/customXml" ds:itemID="{25DE574B-2CD2-4078-9BEA-2A14717D9698}">
-  <ds:schemaRefs>
-    <ds:schemaRef ds:uri="http://purl.org/dc/terms/"/>
-    <ds:schemaRef ds:uri="514a554b-82b0-4359-b247-fc84018a95f0"/>
-    <ds:schemaRef ds:uri="http://schemas.openxmlformats.org/package/2006/metadata/core-properties"/>
-    <ds:schemaRef ds:uri="http://purl.org/dc/elements/1.1/"/>
-    <ds:schemaRef ds:uri="http://schemas.microsoft.com/office/infopath/2007/PartnerControls"/>
-    <ds:schemaRef ds:uri="http://schemas.microsoft.com/office/2006/documentManagement/types"/>
-    <ds:schemaRef ds:uri="ef624bc2-1644-4d69-8362-5c28ca496374"/>
-    <ds:schemaRef ds:uri="http://schemas.microsoft.com/office/2006/metadata/properties"/>
-    <ds:schemaRef ds:uri="http://www.w3.org/XML/1998/namespace"/>
-    <ds:schemaRef ds:uri="http://purl.org/dc/dcmitype/"/>
-  </ds:schemaRefs>
-</ds:datastoreItem>
+<file path=customXml/item2.xml><?xml version="1.0" encoding="utf-8"?>
+<?mso-contentType ?>
+<FormTemplates xmlns="http://schemas.microsoft.com/sharepoint/v3/contenttype/forms">
+  <Display>DocumentLibraryForm</Display>
+  <Edit>DocumentLibraryForm</Edit>
+  <New>DocumentLibraryForm</New>
+</FormTemplates>
 </file>
 
-<file path=customXml/itemProps2.xml><?xml version="1.0" encoding="utf-8"?>
-<ds:datastoreItem xmlns:ds="http://schemas.openxmlformats.org/officeDocument/2006/customXml" ds:itemID="{B00FC41E-FBDE-42E2-B58A-20EBD240A376}">
-  <ds:schemaRefs>
-    <ds:schemaRef ds:uri="http://schemas.microsoft.com/sharepoint/v3/contenttype/forms"/>
-  </ds:schemaRefs>
-</ds:datastoreItem>
+<file path=customXml/item3.xml><?xml version="1.0" encoding="utf-8"?>
+<p:properties xmlns:p="http://schemas.microsoft.com/office/2006/metadata/properties" xmlns:xsi="http://www.w3.org/2001/XMLSchema-instance" xmlns:pc="http://schemas.microsoft.com/office/infopath/2007/PartnerControls">
+  <documentManagement>
+    <_Flow_SignoffStatus xmlns="ef624bc2-1644-4d69-8362-5c28ca496374" xsi:nil="true"/>
+    <TaxCatchAll xmlns="514a554b-82b0-4359-b247-fc84018a95f0" xsi:nil="true"/>
+    <lcf76f155ced4ddcb4097134ff3c332f xmlns="ef624bc2-1644-4d69-8362-5c28ca496374">
+      <Terms xmlns="http://schemas.microsoft.com/office/infopath/2007/PartnerControls"/>
+    </lcf76f155ced4ddcb4097134ff3c332f>
+  </documentManagement>
+</p:properties>
 </file>
 
-<file path=customXml/itemProps3.xml><?xml version="1.0" encoding="utf-8"?>
+<file path=customXml/itemProps1.xml><?xml version="1.0" encoding="utf-8"?>
 <ds:datastoreItem xmlns:ds="http://schemas.openxmlformats.org/officeDocument/2006/customXml" ds:itemID="{049ECCCF-890C-4C54-BAB4-06AB610C1865}">
   <ds:schemaRefs>
     <ds:schemaRef ds:uri="http://schemas.microsoft.com/office/2006/metadata/contentType"/>
@@ -37308,4 +37242,29 @@
     <ds:schemaRef ds:uri="http://schemas.microsoft.com/internal/obd"/>
   </ds:schemaRefs>
 </ds:datastoreItem>
+</file>
+
+<file path=customXml/itemProps2.xml><?xml version="1.0" encoding="utf-8"?>
+<ds:datastoreItem xmlns:ds="http://schemas.openxmlformats.org/officeDocument/2006/customXml" ds:itemID="{B00FC41E-FBDE-42E2-B58A-20EBD240A376}">
+  <ds:schemaRefs>
+    <ds:schemaRef ds:uri="http://schemas.microsoft.com/sharepoint/v3/contenttype/forms"/>
+  </ds:schemaRefs>
+</ds:datastoreItem>
+</file>
+
+<file path=customXml/itemProps3.xml><?xml version="1.0" encoding="utf-8"?>
+<ds:datastoreItem xmlns:ds="http://schemas.openxmlformats.org/officeDocument/2006/customXml" ds:itemID="{25DE574B-2CD2-4078-9BEA-2A14717D9698}">
+  <ds:schemaRefs>
+    <ds:schemaRef ds:uri="http://purl.org/dc/terms/"/>
+    <ds:schemaRef ds:uri="514a554b-82b0-4359-b247-fc84018a95f0"/>
+    <ds:schemaRef ds:uri="http://schemas.openxmlformats.org/package/2006/metadata/core-properties"/>
+    <ds:schemaRef ds:uri="http://purl.org/dc/elements/1.1/"/>
+    <ds:schemaRef ds:uri="http://schemas.microsoft.com/office/infopath/2007/PartnerControls"/>
+    <ds:schemaRef ds:uri="http://schemas.microsoft.com/office/2006/documentManagement/types"/>
+    <ds:schemaRef ds:uri="ef624bc2-1644-4d69-8362-5c28ca496374"/>
+    <ds:schemaRef ds:uri="http://schemas.microsoft.com/office/2006/metadata/properties"/>
+    <ds:schemaRef ds:uri="http://www.w3.org/XML/1998/namespace"/>
+    <ds:schemaRef ds:uri="http://purl.org/dc/dcmitype/"/>
+  </ds:schemaRefs>
+</ds:datastoreItem>
 </file>